--- a/Presentation/Status and Planning.pptx
+++ b/Presentation/Status and Planning.pptx
@@ -16,20 +16,23 @@
     <p:sldId id="267" r:id="rId10"/>
     <p:sldId id="268" r:id="rId11"/>
     <p:sldId id="269" r:id="rId12"/>
-    <p:sldId id="270" r:id="rId13"/>
-    <p:sldId id="259" r:id="rId14"/>
-    <p:sldId id="271" r:id="rId15"/>
-    <p:sldId id="272" r:id="rId16"/>
-    <p:sldId id="273" r:id="rId17"/>
-    <p:sldId id="274" r:id="rId18"/>
-    <p:sldId id="275" r:id="rId19"/>
-    <p:sldId id="276" r:id="rId20"/>
-    <p:sldId id="277" r:id="rId21"/>
-    <p:sldId id="260" r:id="rId22"/>
-    <p:sldId id="278" r:id="rId23"/>
-    <p:sldId id="279" r:id="rId24"/>
-    <p:sldId id="261" r:id="rId25"/>
-    <p:sldId id="280" r:id="rId26"/>
+    <p:sldId id="281" r:id="rId13"/>
+    <p:sldId id="282" r:id="rId14"/>
+    <p:sldId id="283" r:id="rId15"/>
+    <p:sldId id="270" r:id="rId16"/>
+    <p:sldId id="259" r:id="rId17"/>
+    <p:sldId id="271" r:id="rId18"/>
+    <p:sldId id="272" r:id="rId19"/>
+    <p:sldId id="273" r:id="rId20"/>
+    <p:sldId id="274" r:id="rId21"/>
+    <p:sldId id="275" r:id="rId22"/>
+    <p:sldId id="276" r:id="rId23"/>
+    <p:sldId id="277" r:id="rId24"/>
+    <p:sldId id="260" r:id="rId25"/>
+    <p:sldId id="278" r:id="rId26"/>
+    <p:sldId id="279" r:id="rId27"/>
+    <p:sldId id="261" r:id="rId28"/>
+    <p:sldId id="280" r:id="rId29"/>
   </p:sldIdLst>
   <p:sldSz cx="12192000" cy="6858000"/>
   <p:notesSz cx="6858000" cy="9144000"/>
@@ -152,6 +155,9 @@
             <p14:sldId id="267"/>
             <p14:sldId id="268"/>
             <p14:sldId id="269"/>
+            <p14:sldId id="281"/>
+            <p14:sldId id="282"/>
+            <p14:sldId id="283"/>
             <p14:sldId id="270"/>
           </p14:sldIdLst>
         </p14:section>
@@ -181,6 +187,9 @@
           </p14:sldIdLst>
         </p14:section>
       </p14:sectionLst>
+    </p:ext>
+    <p:ext uri="{EFAFB233-063F-42B5-8137-9DF3F51BA10A}">
+      <p15:sldGuideLst xmlns:p15="http://schemas.microsoft.com/office/powerpoint/2012/main"/>
     </p:ext>
   </p:extLst>
 </p:presentation>
@@ -556,7 +565,7 @@
           <a:p>
             <a:fld id="{4BDF68E2-58F2-4D09-BE8B-E3BD06533059}" type="datetimeFigureOut">
               <a:rPr lang="en-US" smtClean="0"/>
-              <a:t>4/7/17</a:t>
+              <a:t>4/12/17</a:t>
             </a:fld>
             <a:endParaRPr lang="en-US" dirty="0"/>
           </a:p>
@@ -803,7 +812,7 @@
           <a:p>
             <a:fld id="{2E2D6473-DF6D-4702-B328-E0DD40540A4E}" type="datetimeFigureOut">
               <a:rPr lang="en-US" smtClean="0"/>
-              <a:t>4/7/17</a:t>
+              <a:t>4/12/17</a:t>
             </a:fld>
             <a:endParaRPr lang="en-US" dirty="0"/>
           </a:p>
@@ -1189,7 +1198,7 @@
           <a:p>
             <a:fld id="{E26F7E3A-B166-407D-9866-32884E7D5B37}" type="datetimeFigureOut">
               <a:rPr lang="en-US" smtClean="0"/>
-              <a:t>4/7/17</a:t>
+              <a:t>4/12/17</a:t>
             </a:fld>
             <a:endParaRPr lang="en-US" dirty="0"/>
           </a:p>
@@ -1415,7 +1424,7 @@
           <a:p>
             <a:fld id="{528FC5F6-F338-4AE4-BB23-26385BCFC423}" type="datetimeFigureOut">
               <a:rPr lang="en-US" smtClean="0"/>
-              <a:t>4/7/17</a:t>
+              <a:t>4/12/17</a:t>
             </a:fld>
             <a:endParaRPr lang="en-US" dirty="0"/>
           </a:p>
@@ -1894,7 +1903,7 @@
           <a:p>
             <a:fld id="{20EBB0C4-6273-4C6E-B9BD-2EDC30F1CD52}" type="datetimeFigureOut">
               <a:rPr lang="en-US" smtClean="0"/>
-              <a:t>4/7/17</a:t>
+              <a:t>4/12/17</a:t>
             </a:fld>
             <a:endParaRPr lang="en-US" dirty="0"/>
           </a:p>
@@ -2198,7 +2207,7 @@
           <a:p>
             <a:fld id="{19AB4D41-86C1-4908-B66A-0B50CEB3BF29}" type="datetimeFigureOut">
               <a:rPr lang="en-US" smtClean="0"/>
-              <a:t>4/7/17</a:t>
+              <a:t>4/12/17</a:t>
             </a:fld>
             <a:endParaRPr lang="en-US" dirty="0"/>
           </a:p>
@@ -2594,7 +2603,7 @@
           <a:p>
             <a:fld id="{E6426E2C-56C1-4E0D-A793-0088A7FDD37E}" type="datetimeFigureOut">
               <a:rPr lang="en-US" smtClean="0"/>
-              <a:t>4/7/17</a:t>
+              <a:t>4/12/17</a:t>
             </a:fld>
             <a:endParaRPr lang="en-US" dirty="0"/>
           </a:p>
@@ -2717,7 +2726,7 @@
           <a:p>
             <a:fld id="{C8C39B41-D8B5-4052-B551-9B5525EAA8B6}" type="datetimeFigureOut">
               <a:rPr lang="en-US" smtClean="0"/>
-              <a:t>4/7/17</a:t>
+              <a:t>4/12/17</a:t>
             </a:fld>
             <a:endParaRPr lang="en-US" dirty="0"/>
           </a:p>
@@ -2812,7 +2821,7 @@
           <a:p>
             <a:fld id="{4D94136C-8742-45B2-AF27-D93DF72833A9}" type="datetimeFigureOut">
               <a:rPr lang="en-US" smtClean="0"/>
-              <a:t>4/7/17</a:t>
+              <a:t>4/12/17</a:t>
             </a:fld>
             <a:endParaRPr lang="en-US" dirty="0"/>
           </a:p>
@@ -3118,7 +3127,7 @@
           <a:p>
             <a:fld id="{32ABBEA6-7C60-4B02-AE87-00D78D8422AF}" type="datetimeFigureOut">
               <a:rPr lang="en-US" smtClean="0"/>
-              <a:t>4/7/17</a:t>
+              <a:t>4/12/17</a:t>
             </a:fld>
             <a:endParaRPr lang="en-US" dirty="0"/>
           </a:p>
@@ -3389,7 +3398,7 @@
           <a:p>
             <a:fld id="{C9CAD897-D46E-4AD2-BD9B-49DD3E640873}" type="datetimeFigureOut">
               <a:rPr lang="en-US" smtClean="0"/>
-              <a:t>4/7/17</a:t>
+              <a:t>4/12/17</a:t>
             </a:fld>
             <a:endParaRPr lang="en-US" dirty="0"/>
           </a:p>
@@ -3801,7 +3810,7 @@
           <a:p>
             <a:fld id="{98624D31-43A5-475A-80CF-332C9F6DCF35}" type="datetimeFigureOut">
               <a:rPr lang="en-US" smtClean="0"/>
-              <a:t>4/7/17</a:t>
+              <a:t>4/12/17</a:t>
             </a:fld>
             <a:endParaRPr lang="en-US" dirty="0"/>
           </a:p>
@@ -4436,25 +4445,25 @@
           <a:lstStyle/>
           <a:p>
             <a:r>
-              <a:rPr lang="en-US" dirty="0" smtClean="0"/>
+              <a:rPr lang="en-US" b="1" dirty="0" smtClean="0"/>
               <a:t>Genetic Algorithms</a:t>
             </a:r>
           </a:p>
           <a:p>
             <a:r>
-              <a:rPr lang="en-US" dirty="0" smtClean="0"/>
+              <a:rPr lang="en-US" b="1" dirty="0" smtClean="0"/>
               <a:t>Evolution Strategy</a:t>
             </a:r>
           </a:p>
           <a:p>
             <a:r>
-              <a:rPr lang="en-US" dirty="0" smtClean="0"/>
+              <a:rPr lang="en-US" b="1" dirty="0" smtClean="0"/>
               <a:t>Evolutionary Programming</a:t>
             </a:r>
           </a:p>
           <a:p>
             <a:r>
-              <a:rPr lang="en-US" dirty="0" smtClean="0"/>
+              <a:rPr lang="en-US" b="1" dirty="0" smtClean="0"/>
               <a:t>Genetic Programming</a:t>
             </a:r>
           </a:p>
@@ -4542,23 +4551,22 @@
           <a:lstStyle/>
           <a:p>
             <a:r>
-              <a:rPr lang="en-US" dirty="0" smtClean="0"/>
+              <a:rPr lang="en-US" b="1" dirty="0" smtClean="0"/>
               <a:t>Differential Evolution</a:t>
             </a:r>
           </a:p>
           <a:p>
             <a:r>
-              <a:rPr lang="en-US" dirty="0"/>
+              <a:rPr lang="en-US" b="1" dirty="0"/>
               <a:t>Particle Swarm Optimization </a:t>
             </a:r>
-            <a:endParaRPr lang="en-US" dirty="0" smtClean="0"/>
-          </a:p>
-          <a:p>
-            <a:r>
-              <a:rPr lang="en-US" dirty="0"/>
+            <a:endParaRPr lang="en-US" b="1" dirty="0" smtClean="0"/>
+          </a:p>
+          <a:p>
+            <a:r>
+              <a:rPr lang="en-US" b="1" dirty="0"/>
               <a:t>Estimation of Distribution Algorithm </a:t>
             </a:r>
-            <a:endParaRPr lang="en-US" dirty="0"/>
           </a:p>
           <a:p>
             <a:endParaRPr lang="en-US" dirty="0"/>
@@ -4617,34 +4625,54 @@
         </p:nvSpPr>
         <p:spPr/>
         <p:txBody>
-          <a:bodyPr>
-            <a:normAutofit/>
-          </a:bodyPr>
-          <a:lstStyle/>
-          <a:p>
-            <a:r>
-              <a:rPr lang="en-US" sz="4400" b="1" dirty="0" smtClean="0"/>
-              <a:t>Machine Learning</a:t>
-            </a:r>
-            <a:br>
-              <a:rPr lang="en-US" sz="4400" b="1" dirty="0" smtClean="0"/>
-            </a:br>
-            <a:r>
-              <a:rPr lang="en-US" sz="4400" dirty="0" smtClean="0"/>
-              <a:t>Concepts</a:t>
-            </a:r>
-            <a:endParaRPr lang="en-US" sz="4400" dirty="0"/>
-          </a:p>
-        </p:txBody>
-      </p:sp>
-      <p:sp>
-        <p:nvSpPr>
-          <p:cNvPr id="3" name="Content Placeholder 2"/>
-          <p:cNvSpPr>
-            <a:spLocks noGrp="1"/>
-          </p:cNvSpPr>
-          <p:nvPr>
-            <p:ph idx="1"/>
+          <a:bodyPr/>
+          <a:lstStyle/>
+          <a:p>
+            <a:r>
+              <a:rPr lang="en-US" dirty="0" smtClean="0"/>
+              <a:t>Differential Evolution</a:t>
+            </a:r>
+            <a:endParaRPr lang="en-US" dirty="0"/>
+          </a:p>
+        </p:txBody>
+      </p:sp>
+      <p:pic>
+        <p:nvPicPr>
+          <p:cNvPr id="4" name="Content Placeholder 3"/>
+          <p:cNvPicPr>
+            <a:picLocks noGrp="1" noChangeAspect="1"/>
+          </p:cNvPicPr>
+          <p:nvPr>
+            <p:ph sz="half" idx="1"/>
+          </p:nvPr>
+        </p:nvPicPr>
+        <p:blipFill>
+          <a:blip r:embed="rId2">
+            <a:extLst>
+              <a:ext uri="{28A0092B-C50C-407E-A947-70E740481C1C}">
+                <a14:useLocalDpi xmlns:a14="http://schemas.microsoft.com/office/drawing/2010/main" val="0"/>
+              </a:ext>
+            </a:extLst>
+          </a:blip>
+          <a:stretch>
+            <a:fillRect/>
+          </a:stretch>
+        </p:blipFill>
+        <p:spPr>
+          <a:xfrm>
+            <a:off x="5181600" y="623900"/>
+            <a:ext cx="6248400" cy="2322487"/>
+          </a:xfrm>
+        </p:spPr>
+      </p:pic>
+      <p:sp>
+        <p:nvSpPr>
+          <p:cNvPr id="5" name="Content Placeholder 4"/>
+          <p:cNvSpPr>
+            <a:spLocks noGrp="1"/>
+          </p:cNvSpPr>
+          <p:nvPr>
+            <p:ph sz="half" idx="2"/>
           </p:nvPr>
         </p:nvSpPr>
         <p:spPr/>
@@ -4654,40 +4682,22 @@
           <a:p>
             <a:r>
               <a:rPr lang="en-US" dirty="0" smtClean="0"/>
-              <a:t>Artificial Neural Networks</a:t>
-            </a:r>
-          </a:p>
-          <a:p>
-            <a:pPr lvl="1"/>
+              <a:t>Individuals are mutated using the differences between individual vectors</a:t>
+            </a:r>
+          </a:p>
+          <a:p>
             <a:r>
               <a:rPr lang="en-US" dirty="0" smtClean="0"/>
-              <a:t>Feed-Forward Neural Networks</a:t>
-            </a:r>
-          </a:p>
-          <a:p>
-            <a:pPr lvl="1"/>
-            <a:r>
-              <a:rPr lang="en-US" dirty="0" smtClean="0"/>
-              <a:t>Back-propagation</a:t>
-            </a:r>
-            <a:endParaRPr lang="en-US" dirty="0"/>
-          </a:p>
-          <a:p>
-            <a:pPr lvl="1"/>
-            <a:endParaRPr lang="en-US" dirty="0"/>
-          </a:p>
-          <a:p>
-            <a:endParaRPr lang="en-US" dirty="0"/>
-          </a:p>
-          <a:p>
-            <a:endParaRPr lang="en-US" dirty="0" smtClean="0"/>
+              <a:t>New individuals replace old individuals only if they perform better</a:t>
+            </a:r>
+            <a:endParaRPr lang="en-US" dirty="0"/>
           </a:p>
         </p:txBody>
       </p:sp>
     </p:spTree>
     <p:extLst>
       <p:ext uri="{BB962C8B-B14F-4D97-AF65-F5344CB8AC3E}">
-        <p14:creationId xmlns:p14="http://schemas.microsoft.com/office/powerpoint/2010/main" val="788730505"/>
+        <p14:creationId xmlns:p14="http://schemas.microsoft.com/office/powerpoint/2010/main" val="1086647548"/>
       </p:ext>
     </p:extLst>
   </p:cSld>
@@ -4733,44 +4743,111 @@
         </p:nvSpPr>
         <p:spPr/>
         <p:txBody>
+          <a:bodyPr>
+            <a:normAutofit/>
+          </a:bodyPr>
+          <a:lstStyle/>
+          <a:p>
+            <a:r>
+              <a:rPr lang="en-US" sz="4400" dirty="0" smtClean="0"/>
+              <a:t>Particle Swarm Optimization</a:t>
+            </a:r>
+            <a:endParaRPr lang="en-US" sz="4400" dirty="0"/>
+          </a:p>
+        </p:txBody>
+      </p:sp>
+      <p:pic>
+        <p:nvPicPr>
+          <p:cNvPr id="4" name="Content Placeholder 3"/>
+          <p:cNvPicPr>
+            <a:picLocks noGrp="1" noChangeAspect="1"/>
+          </p:cNvPicPr>
+          <p:nvPr>
+            <p:ph sz="half" idx="1"/>
+          </p:nvPr>
+        </p:nvPicPr>
+        <p:blipFill>
+          <a:blip r:embed="rId2">
+            <a:extLst>
+              <a:ext uri="{28A0092B-C50C-407E-A947-70E740481C1C}">
+                <a14:useLocalDpi xmlns:a14="http://schemas.microsoft.com/office/drawing/2010/main" val="0"/>
+              </a:ext>
+            </a:extLst>
+          </a:blip>
+          <a:stretch>
+            <a:fillRect/>
+          </a:stretch>
+        </p:blipFill>
+        <p:spPr>
+          <a:xfrm>
+            <a:off x="5181600" y="623470"/>
+            <a:ext cx="6248400" cy="2323348"/>
+          </a:xfrm>
+        </p:spPr>
+      </p:pic>
+      <p:sp>
+        <p:nvSpPr>
+          <p:cNvPr id="5" name="Content Placeholder 4"/>
+          <p:cNvSpPr>
+            <a:spLocks noGrp="1"/>
+          </p:cNvSpPr>
+          <p:nvPr>
+            <p:ph sz="half" idx="2"/>
+          </p:nvPr>
+        </p:nvSpPr>
+        <p:spPr/>
+        <p:txBody>
           <a:bodyPr/>
           <a:lstStyle/>
           <a:p>
             <a:r>
-              <a:rPr lang="en-US" smtClean="0"/>
-              <a:t>Related Work</a:t>
-            </a:r>
-            <a:endParaRPr lang="en-US" dirty="0"/>
-          </a:p>
-        </p:txBody>
-      </p:sp>
-      <p:sp>
-        <p:nvSpPr>
-          <p:cNvPr id="3" name="Text Placeholder 2"/>
-          <p:cNvSpPr>
-            <a:spLocks noGrp="1"/>
-          </p:cNvSpPr>
-          <p:nvPr>
-            <p:ph type="body" idx="1"/>
-          </p:nvPr>
-        </p:nvSpPr>
-        <p:spPr/>
-        <p:txBody>
-          <a:bodyPr/>
-          <a:lstStyle/>
-          <a:p>
-            <a:r>
               <a:rPr lang="en-US" dirty="0" smtClean="0"/>
-              <a:t>Recent Research, Emerging Evolutionary Algorithms and Contributions</a:t>
-            </a:r>
-            <a:endParaRPr lang="en-US" dirty="0"/>
-          </a:p>
-        </p:txBody>
-      </p:sp>
+              <a:t>Works with swarms of individuals which follow both their own “intuition” and the swarm as a whole</a:t>
+            </a:r>
+          </a:p>
+          <a:p>
+            <a:r>
+              <a:rPr lang="en-US" dirty="0" smtClean="0"/>
+              <a:t>Uses an update formula to accomplish variation:</a:t>
+            </a:r>
+            <a:endParaRPr lang="en-US" dirty="0"/>
+          </a:p>
+        </p:txBody>
+      </p:sp>
+      <p:pic>
+        <p:nvPicPr>
+          <p:cNvPr id="6" name="Picture 5"/>
+          <p:cNvPicPr>
+            <a:picLocks noChangeAspect="1"/>
+          </p:cNvPicPr>
+          <p:nvPr/>
+        </p:nvPicPr>
+        <p:blipFill>
+          <a:blip r:embed="rId3">
+            <a:extLst>
+              <a:ext uri="{28A0092B-C50C-407E-A947-70E740481C1C}">
+                <a14:useLocalDpi xmlns:a14="http://schemas.microsoft.com/office/drawing/2010/main" val="0"/>
+              </a:ext>
+            </a:extLst>
+          </a:blip>
+          <a:stretch>
+            <a:fillRect/>
+          </a:stretch>
+        </p:blipFill>
+        <p:spPr>
+          <a:xfrm>
+            <a:off x="4246323" y="5004403"/>
+            <a:ext cx="7183677" cy="963065"/>
+          </a:xfrm>
+          <a:prstGeom prst="rect">
+            <a:avLst/>
+          </a:prstGeom>
+        </p:spPr>
+      </p:pic>
     </p:spTree>
     <p:extLst>
       <p:ext uri="{BB962C8B-B14F-4D97-AF65-F5344CB8AC3E}">
-        <p14:creationId xmlns:p14="http://schemas.microsoft.com/office/powerpoint/2010/main" val="598015996"/>
+        <p14:creationId xmlns:p14="http://schemas.microsoft.com/office/powerpoint/2010/main" val="1839899438"/>
       </p:ext>
     </p:extLst>
   </p:cSld>
@@ -4816,121 +4893,86 @@
         </p:nvSpPr>
         <p:spPr/>
         <p:txBody>
+          <a:bodyPr>
+            <a:normAutofit/>
+          </a:bodyPr>
+          <a:lstStyle/>
+          <a:p>
+            <a:r>
+              <a:rPr lang="en-US" sz="4400" dirty="0" smtClean="0"/>
+              <a:t>Estimation of Distribution Algorithm</a:t>
+            </a:r>
+            <a:endParaRPr lang="en-US" sz="4400" dirty="0"/>
+          </a:p>
+        </p:txBody>
+      </p:sp>
+      <p:pic>
+        <p:nvPicPr>
+          <p:cNvPr id="4" name="Content Placeholder 3"/>
+          <p:cNvPicPr>
+            <a:picLocks noGrp="1" noChangeAspect="1"/>
+          </p:cNvPicPr>
+          <p:nvPr>
+            <p:ph sz="half" idx="1"/>
+          </p:nvPr>
+        </p:nvPicPr>
+        <p:blipFill>
+          <a:blip r:embed="rId2">
+            <a:extLst>
+              <a:ext uri="{28A0092B-C50C-407E-A947-70E740481C1C}">
+                <a14:useLocalDpi xmlns:a14="http://schemas.microsoft.com/office/drawing/2010/main" val="0"/>
+              </a:ext>
+            </a:extLst>
+          </a:blip>
+          <a:stretch>
+            <a:fillRect/>
+          </a:stretch>
+        </p:blipFill>
+        <p:spPr>
+          <a:xfrm>
+            <a:off x="5745023" y="541338"/>
+            <a:ext cx="5121554" cy="2487612"/>
+          </a:xfrm>
+        </p:spPr>
+      </p:pic>
+      <p:sp>
+        <p:nvSpPr>
+          <p:cNvPr id="5" name="Content Placeholder 4"/>
+          <p:cNvSpPr>
+            <a:spLocks noGrp="1"/>
+          </p:cNvSpPr>
+          <p:nvPr>
+            <p:ph sz="half" idx="2"/>
+          </p:nvPr>
+        </p:nvSpPr>
+        <p:spPr/>
+        <p:txBody>
           <a:bodyPr/>
           <a:lstStyle/>
           <a:p>
             <a:r>
               <a:rPr lang="en-US" dirty="0" smtClean="0"/>
-              <a:t>Roots</a:t>
-            </a:r>
-            <a:endParaRPr lang="en-US" dirty="0"/>
-          </a:p>
-        </p:txBody>
-      </p:sp>
-      <p:sp>
-        <p:nvSpPr>
-          <p:cNvPr id="3" name="Content Placeholder 2"/>
-          <p:cNvSpPr>
-            <a:spLocks noGrp="1"/>
-          </p:cNvSpPr>
-          <p:nvPr>
-            <p:ph idx="1"/>
-          </p:nvPr>
-        </p:nvSpPr>
-        <p:spPr/>
-        <p:txBody>
-          <a:bodyPr/>
-          <a:lstStyle/>
-          <a:p>
-            <a:r>
-              <a:rPr lang="en-US" dirty="0"/>
-              <a:t>Ideas around evolutionary computation began emerging in </a:t>
-            </a:r>
-            <a:r>
-              <a:rPr lang="en-US" b="1" dirty="0"/>
-              <a:t>1950s </a:t>
-            </a:r>
-            <a:endParaRPr lang="en-US" b="1" dirty="0"/>
-          </a:p>
-          <a:p>
-            <a:r>
-              <a:rPr lang="en-US" dirty="0"/>
-              <a:t>Several researchers, </a:t>
-            </a:r>
+              <a:t>Uses probability distributions to record and sample good solutions</a:t>
+            </a:r>
+          </a:p>
+          <a:p>
             <a:r>
               <a:rPr lang="en-US" dirty="0" smtClean="0"/>
-              <a:t>independently </a:t>
-            </a:r>
-            <a:r>
-              <a:rPr lang="en-US" dirty="0"/>
-              <a:t>from each-other, created algorithms which were inspired by natural Darwinian principles, these include </a:t>
-            </a:r>
-            <a:r>
-              <a:rPr lang="en-US" b="1" dirty="0"/>
-              <a:t>Holland’s Genetic Algorithms</a:t>
-            </a:r>
-            <a:r>
-              <a:rPr lang="en-US" dirty="0"/>
-              <a:t>, </a:t>
-            </a:r>
-            <a:r>
-              <a:rPr lang="en-US" b="1" dirty="0" err="1"/>
-              <a:t>Schwefel’s</a:t>
-            </a:r>
-            <a:r>
-              <a:rPr lang="en-US" b="1" dirty="0"/>
-              <a:t> and </a:t>
-            </a:r>
-            <a:r>
-              <a:rPr lang="en-US" b="1" dirty="0" err="1"/>
-              <a:t>Rechenberg’s</a:t>
-            </a:r>
-            <a:r>
-              <a:rPr lang="en-US" b="1" dirty="0"/>
-              <a:t> Evolution Strategies </a:t>
-            </a:r>
-            <a:r>
-              <a:rPr lang="en-US" dirty="0"/>
-              <a:t>and </a:t>
-            </a:r>
-            <a:r>
-              <a:rPr lang="en-US" b="1" dirty="0" err="1"/>
-              <a:t>Fogel’s</a:t>
-            </a:r>
-            <a:r>
-              <a:rPr lang="en-US" b="1" dirty="0"/>
-              <a:t> Evolutionary Programming</a:t>
-            </a:r>
-            <a:r>
-              <a:rPr lang="en-US" dirty="0"/>
-              <a:t>. </a:t>
-            </a:r>
-            <a:endParaRPr lang="en-US" dirty="0"/>
-          </a:p>
-          <a:p>
-            <a:r>
-              <a:rPr lang="en-US" dirty="0"/>
-              <a:t>Research has shown that </a:t>
-            </a:r>
-            <a:r>
-              <a:rPr lang="en-US" b="1" dirty="0"/>
-              <a:t>no single algorithm can perform better than all other algorithms </a:t>
-            </a:r>
-            <a:r>
-              <a:rPr lang="en-US" dirty="0"/>
-              <a:t>on average. This has been referred to as the ‘no-free-lunch’ and current solutions instead aim at finding better solutions to specific problems by exploiting inherent biases in the problem. </a:t>
-            </a:r>
-            <a:endParaRPr lang="en-US" dirty="0"/>
-          </a:p>
-          <a:p>
-            <a:endParaRPr lang="en-US" dirty="0"/>
+              <a:t>Different types of distributions provide different results</a:t>
+            </a:r>
+          </a:p>
+          <a:p>
+            <a:r>
+              <a:rPr lang="en-US" dirty="0" smtClean="0"/>
+              <a:t>The choice of distribution depends on the complexity of the problem</a:t>
+            </a:r>
           </a:p>
         </p:txBody>
       </p:sp>
     </p:spTree>
     <p:extLst>
       <p:ext uri="{BB962C8B-B14F-4D97-AF65-F5344CB8AC3E}">
-        <p14:creationId xmlns:p14="http://schemas.microsoft.com/office/powerpoint/2010/main" val="761136351"/>
+        <p14:creationId xmlns:p14="http://schemas.microsoft.com/office/powerpoint/2010/main" val="514314815"/>
       </p:ext>
     </p:extLst>
   </p:cSld>
@@ -4976,87 +5018,159 @@
         </p:nvSpPr>
         <p:spPr/>
         <p:txBody>
+          <a:bodyPr>
+            <a:normAutofit/>
+          </a:bodyPr>
+          <a:lstStyle/>
+          <a:p>
+            <a:r>
+              <a:rPr lang="en-US" sz="4400" b="1" dirty="0" smtClean="0"/>
+              <a:t>Machine Learning</a:t>
+            </a:r>
+            <a:br>
+              <a:rPr lang="en-US" sz="4400" b="1" dirty="0" smtClean="0"/>
+            </a:br>
+            <a:r>
+              <a:rPr lang="en-US" sz="4400" dirty="0" smtClean="0"/>
+              <a:t>Concepts</a:t>
+            </a:r>
+            <a:endParaRPr lang="en-US" sz="4400" dirty="0"/>
+          </a:p>
+        </p:txBody>
+      </p:sp>
+      <p:sp>
+        <p:nvSpPr>
+          <p:cNvPr id="3" name="Content Placeholder 2"/>
+          <p:cNvSpPr>
+            <a:spLocks noGrp="1"/>
+          </p:cNvSpPr>
+          <p:nvPr>
+            <p:ph sz="half" idx="1"/>
+          </p:nvPr>
+        </p:nvSpPr>
+        <p:spPr/>
+        <p:txBody>
           <a:bodyPr/>
           <a:lstStyle/>
           <a:p>
             <a:r>
               <a:rPr lang="en-US" dirty="0" smtClean="0"/>
-              <a:t>Recent Research</a:t>
-            </a:r>
-            <a:endParaRPr lang="en-US" dirty="0"/>
-          </a:p>
-        </p:txBody>
-      </p:sp>
-      <p:sp>
-        <p:nvSpPr>
-          <p:cNvPr id="3" name="Content Placeholder 2"/>
-          <p:cNvSpPr>
-            <a:spLocks noGrp="1"/>
-          </p:cNvSpPr>
-          <p:nvPr>
-            <p:ph idx="1"/>
-          </p:nvPr>
-        </p:nvSpPr>
-        <p:spPr/>
-        <p:txBody>
-          <a:bodyPr/>
-          <a:lstStyle/>
-          <a:p>
+              <a:t>Artificial Neural Networks</a:t>
+            </a:r>
+          </a:p>
+          <a:p>
+            <a:pPr lvl="1"/>
             <a:r>
               <a:rPr lang="en-US" dirty="0" smtClean="0"/>
-              <a:t>Parallelism</a:t>
-            </a:r>
-          </a:p>
-          <a:p>
-            <a:r>
-              <a:rPr lang="en-US" dirty="0"/>
-              <a:t>M</a:t>
-            </a:r>
+              <a:t>Feed-Forward Neural Networks</a:t>
+            </a:r>
+          </a:p>
+          <a:p>
+            <a:pPr lvl="1"/>
             <a:r>
               <a:rPr lang="en-US" dirty="0" smtClean="0"/>
-              <a:t>ulti-population models</a:t>
-            </a:r>
-          </a:p>
-          <a:p>
-            <a:r>
-              <a:rPr lang="en-US" dirty="0"/>
-              <a:t>M</a:t>
-            </a:r>
-            <a:r>
-              <a:rPr lang="en-US" dirty="0" smtClean="0"/>
-              <a:t>ulti-objective optimization</a:t>
-            </a:r>
-          </a:p>
-          <a:p>
-            <a:r>
-              <a:rPr lang="en-US" dirty="0"/>
-              <a:t>D</a:t>
-            </a:r>
-            <a:r>
-              <a:rPr lang="en-US" dirty="0" smtClean="0"/>
-              <a:t>ynamic environments</a:t>
-            </a:r>
-          </a:p>
-          <a:p>
-            <a:r>
-              <a:rPr lang="en-US" dirty="0" smtClean="0"/>
-              <a:t>Evolving </a:t>
-            </a:r>
-            <a:r>
-              <a:rPr lang="en-US" dirty="0"/>
-              <a:t>executable code </a:t>
-            </a:r>
-            <a:endParaRPr lang="en-US" dirty="0"/>
-          </a:p>
-          <a:p>
-            <a:endParaRPr lang="en-US" dirty="0"/>
-          </a:p>
-        </p:txBody>
-      </p:sp>
+              <a:t>Back-propagation</a:t>
+            </a:r>
+            <a:endParaRPr lang="en-US" dirty="0"/>
+          </a:p>
+          <a:p>
+            <a:endParaRPr lang="en-US" dirty="0" smtClean="0"/>
+          </a:p>
+        </p:txBody>
+      </p:sp>
+      <p:pic>
+        <p:nvPicPr>
+          <p:cNvPr id="5" name="Content Placeholder 4"/>
+          <p:cNvPicPr>
+            <a:picLocks noGrp="1" noChangeAspect="1"/>
+          </p:cNvPicPr>
+          <p:nvPr>
+            <p:ph sz="half" idx="2"/>
+          </p:nvPr>
+        </p:nvPicPr>
+        <p:blipFill>
+          <a:blip r:embed="rId2">
+            <a:extLst>
+              <a:ext uri="{28A0092B-C50C-407E-A947-70E740481C1C}">
+                <a14:useLocalDpi xmlns:a14="http://schemas.microsoft.com/office/drawing/2010/main" val="0"/>
+              </a:ext>
+            </a:extLst>
+          </a:blip>
+          <a:stretch>
+            <a:fillRect/>
+          </a:stretch>
+        </p:blipFill>
+        <p:spPr>
+          <a:xfrm>
+            <a:off x="5181600" y="1986854"/>
+            <a:ext cx="4937622" cy="4094838"/>
+          </a:xfrm>
+        </p:spPr>
+      </p:pic>
+      <p:pic>
+        <p:nvPicPr>
+          <p:cNvPr id="6" name="Picture 5"/>
+          <p:cNvPicPr>
+            <a:picLocks noChangeAspect="1"/>
+          </p:cNvPicPr>
+          <p:nvPr/>
+        </p:nvPicPr>
+        <p:blipFill>
+          <a:blip r:embed="rId3">
+            <a:extLst>
+              <a:ext uri="{28A0092B-C50C-407E-A947-70E740481C1C}">
+                <a14:useLocalDpi xmlns:a14="http://schemas.microsoft.com/office/drawing/2010/main" val="0"/>
+              </a:ext>
+            </a:extLst>
+          </a:blip>
+          <a:stretch>
+            <a:fillRect/>
+          </a:stretch>
+        </p:blipFill>
+        <p:spPr>
+          <a:xfrm>
+            <a:off x="2081306" y="4712070"/>
+            <a:ext cx="2514600" cy="800100"/>
+          </a:xfrm>
+          <a:prstGeom prst="rect">
+            <a:avLst/>
+          </a:prstGeom>
+        </p:spPr>
+      </p:pic>
+      <p:pic>
+        <p:nvPicPr>
+          <p:cNvPr id="7" name="Picture 6"/>
+          <p:cNvPicPr>
+            <a:picLocks noChangeAspect="1"/>
+          </p:cNvPicPr>
+          <p:nvPr/>
+        </p:nvPicPr>
+        <p:blipFill>
+          <a:blip r:embed="rId4">
+            <a:extLst>
+              <a:ext uri="{28A0092B-C50C-407E-A947-70E740481C1C}">
+                <a14:useLocalDpi xmlns:a14="http://schemas.microsoft.com/office/drawing/2010/main" val="0"/>
+              </a:ext>
+            </a:extLst>
+          </a:blip>
+          <a:stretch>
+            <a:fillRect/>
+          </a:stretch>
+        </p:blipFill>
+        <p:spPr>
+          <a:xfrm>
+            <a:off x="2081306" y="2659954"/>
+            <a:ext cx="2514600" cy="1625600"/>
+          </a:xfrm>
+          <a:prstGeom prst="rect">
+            <a:avLst/>
+          </a:prstGeom>
+        </p:spPr>
+      </p:pic>
     </p:spTree>
     <p:extLst>
       <p:ext uri="{BB962C8B-B14F-4D97-AF65-F5344CB8AC3E}">
-        <p14:creationId xmlns:p14="http://schemas.microsoft.com/office/powerpoint/2010/main" val="136990112"/>
+        <p14:creationId xmlns:p14="http://schemas.microsoft.com/office/powerpoint/2010/main" val="788730505"/>
       </p:ext>
     </p:extLst>
   </p:cSld>
@@ -5102,31 +5216,25 @@
         </p:nvSpPr>
         <p:spPr/>
         <p:txBody>
-          <a:bodyPr>
-            <a:normAutofit/>
-          </a:bodyPr>
-          <a:lstStyle/>
-          <a:p>
-            <a:r>
-              <a:rPr lang="en-US" sz="4400" dirty="0" smtClean="0"/>
-              <a:t>Research: </a:t>
-            </a:r>
-            <a:r>
-              <a:rPr lang="en-US" sz="4400" b="1" dirty="0" smtClean="0"/>
-              <a:t>Differential Evolution</a:t>
-            </a:r>
-            <a:endParaRPr lang="en-US" sz="4400" b="1" dirty="0"/>
-          </a:p>
-        </p:txBody>
-      </p:sp>
-      <p:sp>
-        <p:nvSpPr>
-          <p:cNvPr id="3" name="Content Placeholder 2"/>
-          <p:cNvSpPr>
-            <a:spLocks noGrp="1"/>
-          </p:cNvSpPr>
-          <p:nvPr>
-            <p:ph idx="1"/>
+          <a:bodyPr/>
+          <a:lstStyle/>
+          <a:p>
+            <a:r>
+              <a:rPr lang="en-US" smtClean="0"/>
+              <a:t>Related Work</a:t>
+            </a:r>
+            <a:endParaRPr lang="en-US" dirty="0"/>
+          </a:p>
+        </p:txBody>
+      </p:sp>
+      <p:sp>
+        <p:nvSpPr>
+          <p:cNvPr id="3" name="Text Placeholder 2"/>
+          <p:cNvSpPr>
+            <a:spLocks noGrp="1"/>
+          </p:cNvSpPr>
+          <p:nvPr>
+            <p:ph type="body" idx="1"/>
           </p:nvPr>
         </p:nvSpPr>
         <p:spPr/>
@@ -5135,111 +5243,9 @@
           <a:lstStyle/>
           <a:p>
             <a:r>
-              <a:rPr lang="en-US" dirty="0"/>
-              <a:t>C</a:t>
-            </a:r>
-            <a:r>
               <a:rPr lang="en-US" dirty="0" smtClean="0"/>
-              <a:t>onceived </a:t>
-            </a:r>
-            <a:r>
-              <a:rPr lang="en-US" dirty="0"/>
-              <a:t>in 1995 by </a:t>
-            </a:r>
-            <a:r>
-              <a:rPr lang="en-US" dirty="0" err="1"/>
-              <a:t>Storn</a:t>
-            </a:r>
-            <a:r>
-              <a:rPr lang="en-US" dirty="0"/>
-              <a:t> and </a:t>
-            </a:r>
-            <a:r>
-              <a:rPr lang="en-US" dirty="0" smtClean="0"/>
-              <a:t>Price</a:t>
-            </a:r>
-          </a:p>
-          <a:p>
-            <a:r>
-              <a:rPr lang="en-US" dirty="0"/>
-              <a:t>O</a:t>
-            </a:r>
-            <a:r>
-              <a:rPr lang="en-US" dirty="0" smtClean="0"/>
-              <a:t>ne </a:t>
-            </a:r>
-            <a:r>
-              <a:rPr lang="en-US" dirty="0"/>
-              <a:t>of the best algorithms in continuous optimization </a:t>
-            </a:r>
-            <a:endParaRPr lang="en-US" dirty="0"/>
-          </a:p>
-          <a:p>
-            <a:r>
-              <a:rPr lang="en-US" dirty="0" smtClean="0"/>
-              <a:t> Hybrids </a:t>
-            </a:r>
-            <a:r>
-              <a:rPr lang="en-US" dirty="0"/>
-              <a:t>of the algorithm </a:t>
-            </a:r>
-            <a:endParaRPr lang="en-US" dirty="0"/>
-          </a:p>
-          <a:p>
-            <a:pPr lvl="1"/>
-            <a:r>
-              <a:rPr lang="en-US" dirty="0"/>
-              <a:t>self-adaptive DE </a:t>
-            </a:r>
-            <a:endParaRPr lang="en-US" dirty="0"/>
-          </a:p>
-          <a:p>
-            <a:pPr lvl="1"/>
-            <a:r>
-              <a:rPr lang="en-US" dirty="0"/>
-              <a:t>opposition-based DE </a:t>
-            </a:r>
-            <a:endParaRPr lang="en-US" dirty="0"/>
-          </a:p>
-          <a:p>
-            <a:pPr lvl="1"/>
-            <a:r>
-              <a:rPr lang="en-US" dirty="0"/>
-              <a:t>DE with global and local neighborhoods </a:t>
-            </a:r>
-            <a:endParaRPr lang="en-US" dirty="0"/>
-          </a:p>
-          <a:p>
-            <a:r>
-              <a:rPr lang="en-US" dirty="0"/>
-              <a:t>DE uses very few parameters and the effects of altering these parameters have been well studied </a:t>
-            </a:r>
-            <a:endParaRPr lang="en-US" dirty="0"/>
-          </a:p>
-          <a:p>
-            <a:r>
-              <a:rPr lang="en-US" dirty="0"/>
-              <a:t>DE comes in a total of 10 different varieties </a:t>
-            </a:r>
-            <a:endParaRPr lang="en-US" dirty="0"/>
-          </a:p>
-          <a:p>
-            <a:pPr lvl="1"/>
-            <a:r>
-              <a:rPr lang="en-US" dirty="0"/>
-              <a:t>DE/best/1/bin generally yields the best results </a:t>
-            </a:r>
-            <a:endParaRPr lang="en-US" dirty="0"/>
-          </a:p>
-          <a:p>
-            <a:pPr lvl="1"/>
-            <a:endParaRPr lang="en-US" dirty="0"/>
-          </a:p>
-          <a:p>
-            <a:pPr lvl="1"/>
-            <a:endParaRPr lang="en-US" dirty="0"/>
-          </a:p>
-          <a:p>
+              <a:t>Recent Research, Emerging Evolutionary Algorithms and Contributions</a:t>
+            </a:r>
             <a:endParaRPr lang="en-US" dirty="0"/>
           </a:p>
         </p:txBody>
@@ -5247,7 +5253,7 @@
     </p:spTree>
     <p:extLst>
       <p:ext uri="{BB962C8B-B14F-4D97-AF65-F5344CB8AC3E}">
-        <p14:creationId xmlns:p14="http://schemas.microsoft.com/office/powerpoint/2010/main" val="1328911755"/>
+        <p14:creationId xmlns:p14="http://schemas.microsoft.com/office/powerpoint/2010/main" val="598015996"/>
       </p:ext>
     </p:extLst>
   </p:cSld>
@@ -5293,20 +5299,14 @@
         </p:nvSpPr>
         <p:spPr/>
         <p:txBody>
-          <a:bodyPr>
-            <a:normAutofit/>
-          </a:bodyPr>
-          <a:lstStyle/>
-          <a:p>
-            <a:r>
-              <a:rPr lang="en-US" sz="4000" dirty="0" smtClean="0"/>
-              <a:t>Research: </a:t>
-            </a:r>
-            <a:r>
-              <a:rPr lang="en-US" sz="4000" b="1" dirty="0" smtClean="0"/>
-              <a:t>Particle Swarm Optimization</a:t>
-            </a:r>
-            <a:endParaRPr lang="en-US" sz="4000" b="1" dirty="0"/>
+          <a:bodyPr/>
+          <a:lstStyle/>
+          <a:p>
+            <a:r>
+              <a:rPr lang="en-US" dirty="0" smtClean="0"/>
+              <a:t>Roots</a:t>
+            </a:r>
+            <a:endParaRPr lang="en-US" dirty="0"/>
           </a:p>
         </p:txBody>
       </p:sp>
@@ -5326,113 +5326,81 @@
           <a:lstStyle/>
           <a:p>
             <a:r>
+              <a:rPr lang="en-US" dirty="0"/>
+              <a:t>Ideas around evolutionary computation began emerging in </a:t>
+            </a:r>
+            <a:r>
+              <a:rPr lang="en-US" b="1" dirty="0"/>
+              <a:t>1950s </a:t>
+            </a:r>
+          </a:p>
+          <a:p>
+            <a:r>
+              <a:rPr lang="en-US" dirty="0"/>
+              <a:t>Several researchers, </a:t>
+            </a:r>
+            <a:r>
               <a:rPr lang="en-US" dirty="0" smtClean="0"/>
-              <a:t>Most </a:t>
-            </a:r>
-            <a:r>
-              <a:rPr lang="en-US" dirty="0"/>
-              <a:t>widely used swarm </a:t>
-            </a:r>
-            <a:r>
-              <a:rPr lang="en-US" dirty="0" smtClean="0"/>
-              <a:t>intelligence </a:t>
-            </a:r>
-            <a:r>
-              <a:rPr lang="en-US" dirty="0"/>
-              <a:t>algorithm to date </a:t>
-            </a:r>
-            <a:endParaRPr lang="en-US" dirty="0" smtClean="0"/>
-          </a:p>
-          <a:p>
-            <a:r>
-              <a:rPr lang="en-US" dirty="0"/>
-              <a:t>M</a:t>
-            </a:r>
-            <a:r>
-              <a:rPr lang="en-US" dirty="0" smtClean="0"/>
-              <a:t>odified </a:t>
-            </a:r>
-            <a:r>
-              <a:rPr lang="en-US" dirty="0"/>
-              <a:t>versions </a:t>
-            </a:r>
-            <a:endParaRPr lang="en-US" dirty="0" smtClean="0"/>
-          </a:p>
-          <a:p>
-            <a:pPr lvl="1"/>
-            <a:r>
-              <a:rPr lang="en-US" dirty="0"/>
-              <a:t>quantum-behaved PSO </a:t>
-            </a:r>
-            <a:endParaRPr lang="en-US" dirty="0"/>
-          </a:p>
-          <a:p>
-            <a:pPr lvl="1"/>
-            <a:r>
-              <a:rPr lang="en-US" dirty="0"/>
-              <a:t>bare-bones PSO </a:t>
-            </a:r>
-            <a:endParaRPr lang="en-US" dirty="0"/>
-          </a:p>
-          <a:p>
-            <a:pPr lvl="1"/>
-            <a:r>
-              <a:rPr lang="en-US" dirty="0"/>
-              <a:t>chaotic PSO </a:t>
-            </a:r>
-            <a:endParaRPr lang="en-US" dirty="0"/>
-          </a:p>
-          <a:p>
-            <a:pPr lvl="1"/>
-            <a:r>
-              <a:rPr lang="en-US" dirty="0"/>
-              <a:t>fuzzy PSO </a:t>
-            </a:r>
-            <a:endParaRPr lang="en-US" dirty="0"/>
-          </a:p>
-          <a:p>
-            <a:pPr lvl="1"/>
-            <a:r>
-              <a:rPr lang="en-US" dirty="0"/>
-              <a:t>PSOT-VAC </a:t>
-            </a:r>
-            <a:endParaRPr lang="en-US" dirty="0"/>
-          </a:p>
-          <a:p>
-            <a:pPr lvl="1"/>
-            <a:r>
-              <a:rPr lang="en-US" dirty="0"/>
-              <a:t>opposition-based PSO </a:t>
-            </a:r>
-            <a:endParaRPr lang="en-US" dirty="0"/>
-          </a:p>
-          <a:p>
-            <a:r>
-              <a:rPr lang="en-US" dirty="0"/>
-              <a:t>H</a:t>
-            </a:r>
-            <a:r>
-              <a:rPr lang="en-US" dirty="0" smtClean="0"/>
-              <a:t>ybridized </a:t>
-            </a:r>
-            <a:r>
-              <a:rPr lang="en-US" dirty="0"/>
-              <a:t>with other </a:t>
-            </a:r>
-            <a:r>
-              <a:rPr lang="en-US" dirty="0" smtClean="0"/>
-              <a:t>evolutionary algorithms</a:t>
-            </a:r>
-          </a:p>
-          <a:p>
-            <a:endParaRPr lang="en-US" dirty="0"/>
-          </a:p>
-          <a:p>
-            <a:endParaRPr lang="en-US" dirty="0"/>
-          </a:p>
-          <a:p>
-            <a:pPr lvl="1"/>
-            <a:endParaRPr lang="en-US" dirty="0"/>
+              <a:t>independently </a:t>
+            </a:r>
+            <a:r>
+              <a:rPr lang="en-US" dirty="0"/>
+              <a:t>from each-other, created algorithms which were inspired by natural Darwinian principles, these include </a:t>
+            </a:r>
+            <a:r>
+              <a:rPr lang="en-US" b="1" dirty="0"/>
+              <a:t>Holland’s Genetic Algorithms</a:t>
+            </a:r>
+            <a:r>
+              <a:rPr lang="en-US" dirty="0"/>
+              <a:t>, </a:t>
+            </a:r>
+            <a:r>
+              <a:rPr lang="en-US" b="1" dirty="0" err="1"/>
+              <a:t>Schwefel’s</a:t>
+            </a:r>
+            <a:r>
+              <a:rPr lang="en-US" b="1" dirty="0"/>
+              <a:t> and </a:t>
+            </a:r>
+            <a:r>
+              <a:rPr lang="en-US" b="1" dirty="0" err="1"/>
+              <a:t>Rechenberg’s</a:t>
+            </a:r>
+            <a:r>
+              <a:rPr lang="en-US" b="1" dirty="0"/>
+              <a:t> Evolution Strategies </a:t>
+            </a:r>
+            <a:r>
+              <a:rPr lang="en-US" dirty="0"/>
+              <a:t>and </a:t>
+            </a:r>
+            <a:r>
+              <a:rPr lang="en-US" b="1" dirty="0" err="1"/>
+              <a:t>Fogel’s</a:t>
+            </a:r>
+            <a:r>
+              <a:rPr lang="en-US" b="1" dirty="0"/>
+              <a:t> Evolutionary Programming</a:t>
+            </a:r>
+            <a:r>
+              <a:rPr lang="en-US" dirty="0"/>
+              <a:t>. </a:t>
+            </a:r>
+          </a:p>
+          <a:p>
+            <a:r>
+              <a:rPr lang="en-US" dirty="0"/>
+              <a:t>Research has shown that </a:t>
+            </a:r>
+            <a:r>
+              <a:rPr lang="en-US" b="1" dirty="0"/>
+              <a:t>no single algorithm can perform better than all other algorithms </a:t>
+            </a:r>
+            <a:r>
+              <a:rPr lang="en-US" dirty="0"/>
+              <a:t>on average. This has been referred to as the ‘no-free-lunch’ and current solutions instead aim at finding better solutions to specific problems by exploiting inherent biases in the problem. </a:t>
+            </a:r>
           </a:p>
           <a:p>
             <a:endParaRPr lang="en-US" dirty="0"/>
@@ -5442,7 +5410,7 @@
     </p:spTree>
     <p:extLst>
       <p:ext uri="{BB962C8B-B14F-4D97-AF65-F5344CB8AC3E}">
-        <p14:creationId xmlns:p14="http://schemas.microsoft.com/office/powerpoint/2010/main" val="2085687131"/>
+        <p14:creationId xmlns:p14="http://schemas.microsoft.com/office/powerpoint/2010/main" val="761136351"/>
       </p:ext>
     </p:extLst>
   </p:cSld>
@@ -5488,20 +5456,14 @@
         </p:nvSpPr>
         <p:spPr/>
         <p:txBody>
-          <a:bodyPr>
-            <a:normAutofit/>
-          </a:bodyPr>
-          <a:lstStyle/>
-          <a:p>
-            <a:r>
-              <a:rPr lang="en-US" sz="4000" dirty="0" smtClean="0"/>
-              <a:t>Research: </a:t>
-            </a:r>
-            <a:r>
-              <a:rPr lang="en-US" sz="4000" b="1" dirty="0"/>
-              <a:t>Estimation of Distribution Algorithms </a:t>
-            </a:r>
-            <a:endParaRPr lang="en-US" sz="4000" b="1" dirty="0"/>
+          <a:bodyPr/>
+          <a:lstStyle/>
+          <a:p>
+            <a:r>
+              <a:rPr lang="en-US" dirty="0" smtClean="0"/>
+              <a:t>Recent Research</a:t>
+            </a:r>
+            <a:endParaRPr lang="en-US" dirty="0"/>
           </a:p>
         </p:txBody>
       </p:sp>
@@ -5521,89 +5483,49 @@
           <a:lstStyle/>
           <a:p>
             <a:r>
-              <a:rPr lang="en-US" dirty="0"/>
-              <a:t>U</a:t>
-            </a:r>
-            <a:r>
               <a:rPr lang="en-US" dirty="0" smtClean="0"/>
-              <a:t>se </a:t>
-            </a:r>
-            <a:r>
-              <a:rPr lang="en-US" dirty="0"/>
-              <a:t>probabilistic models to solve complex optimization problems </a:t>
-            </a:r>
-            <a:endParaRPr lang="en-US" dirty="0"/>
-          </a:p>
-          <a:p>
-            <a:r>
-              <a:rPr lang="en-US" dirty="0"/>
-              <a:t>S</a:t>
+              <a:t>Parallelism</a:t>
+            </a:r>
+          </a:p>
+          <a:p>
+            <a:r>
+              <a:rPr lang="en-US" dirty="0"/>
+              <a:t>M</a:t>
             </a:r>
             <a:r>
               <a:rPr lang="en-US" dirty="0" smtClean="0"/>
-              <a:t>uccessful </a:t>
-            </a:r>
-            <a:r>
-              <a:rPr lang="en-US" dirty="0"/>
-              <a:t>at many engineering problems which at which other algorithms have failed </a:t>
-            </a:r>
-            <a:endParaRPr lang="en-US" dirty="0" smtClean="0"/>
-          </a:p>
-          <a:p>
-            <a:pPr lvl="1"/>
-            <a:r>
-              <a:rPr lang="en-US" dirty="0"/>
-              <a:t>military antenna design, protein structure prediction, clustering of genes, chemotherapy optimization, portfolio </a:t>
+              <a:t>ulti-population models</a:t>
+            </a:r>
+          </a:p>
+          <a:p>
+            <a:r>
+              <a:rPr lang="en-US" dirty="0"/>
+              <a:t>M</a:t>
             </a:r>
             <a:r>
               <a:rPr lang="en-US" dirty="0" smtClean="0"/>
-              <a:t>management</a:t>
-            </a:r>
-          </a:p>
-          <a:p>
+              <a:t>ulti-objective optimization</a:t>
+            </a:r>
+          </a:p>
+          <a:p>
+            <a:r>
+              <a:rPr lang="en-US" dirty="0"/>
+              <a:t>D</a:t>
+            </a:r>
             <a:r>
               <a:rPr lang="en-US" dirty="0" smtClean="0"/>
-              <a:t>Improvements	</a:t>
-            </a:r>
-            <a:endParaRPr lang="en-US" dirty="0"/>
-          </a:p>
-          <a:p>
-            <a:pPr lvl="1"/>
-            <a:r>
-              <a:rPr lang="en-US" dirty="0"/>
-              <a:t>Parallelization of fitness evaluation </a:t>
-            </a:r>
+              <a:t>ynamic environments</a:t>
+            </a:r>
+          </a:p>
+          <a:p>
             <a:r>
               <a:rPr lang="en-US" dirty="0" smtClean="0"/>
-              <a:t>and model building</a:t>
-            </a:r>
-          </a:p>
-          <a:p>
-            <a:pPr lvl="1"/>
-            <a:r>
-              <a:rPr lang="en-US" dirty="0"/>
-              <a:t>Local optimization techniques </a:t>
-            </a:r>
-            <a:r>
-              <a:rPr lang="en-US" dirty="0" smtClean="0"/>
-              <a:t>(</a:t>
-            </a:r>
-            <a:r>
-              <a:rPr lang="en-US" dirty="0"/>
-              <a:t>deterministic hill </a:t>
-            </a:r>
-            <a:r>
-              <a:rPr lang="en-US" dirty="0" smtClean="0"/>
-              <a:t>climbing)</a:t>
-            </a:r>
-          </a:p>
-          <a:p>
-            <a:pPr lvl="1"/>
-            <a:endParaRPr lang="en-US" dirty="0"/>
-          </a:p>
-          <a:p>
-            <a:pPr lvl="1"/>
-            <a:endParaRPr lang="en-US" dirty="0"/>
+              <a:t>Evolving </a:t>
+            </a:r>
+            <a:r>
+              <a:rPr lang="en-US" dirty="0"/>
+              <a:t>executable code </a:t>
+            </a:r>
           </a:p>
           <a:p>
             <a:endParaRPr lang="en-US" dirty="0"/>
@@ -5613,7 +5535,7 @@
     </p:spTree>
     <p:extLst>
       <p:ext uri="{BB962C8B-B14F-4D97-AF65-F5344CB8AC3E}">
-        <p14:creationId xmlns:p14="http://schemas.microsoft.com/office/powerpoint/2010/main" val="73333298"/>
+        <p14:creationId xmlns:p14="http://schemas.microsoft.com/office/powerpoint/2010/main" val="136990112"/>
       </p:ext>
     </p:extLst>
   </p:cSld>
@@ -5665,14 +5587,14 @@
           <a:lstStyle/>
           <a:p>
             <a:r>
-              <a:rPr lang="en-US" sz="4000" dirty="0" smtClean="0"/>
+              <a:rPr lang="en-US" sz="4400" dirty="0" smtClean="0"/>
               <a:t>Research: </a:t>
             </a:r>
             <a:r>
-              <a:rPr lang="en-US" sz="4000" b="1" dirty="0" smtClean="0"/>
-              <a:t>Machine Learning and Evolutionary Computation</a:t>
-            </a:r>
-            <a:endParaRPr lang="en-US" sz="4000" b="1" dirty="0"/>
+              <a:rPr lang="en-US" sz="4400" b="1" dirty="0" smtClean="0"/>
+              <a:t>Differential Evolution</a:t>
+            </a:r>
+            <a:endParaRPr lang="en-US" sz="4400" b="1" dirty="0"/>
           </a:p>
         </p:txBody>
       </p:sp>
@@ -5693,85 +5615,112 @@
           <a:p>
             <a:r>
               <a:rPr lang="en-US" dirty="0"/>
-              <a:t>M</a:t>
+              <a:t>C</a:t>
             </a:r>
             <a:r>
               <a:rPr lang="en-US" dirty="0" smtClean="0"/>
-              <a:t>any </a:t>
-            </a:r>
-            <a:r>
-              <a:rPr lang="en-US" dirty="0"/>
-              <a:t>attempts have therefore been made to combine the two </a:t>
-            </a:r>
-            <a:endParaRPr lang="en-US" dirty="0"/>
-          </a:p>
-          <a:p>
-            <a:r>
-              <a:rPr lang="en-US" dirty="0"/>
-              <a:t>ML has been used to improve EC optimization algorithms </a:t>
-            </a:r>
-            <a:endParaRPr lang="en-US" dirty="0"/>
-          </a:p>
-          <a:p>
-            <a:r>
-              <a:rPr lang="en-US" dirty="0"/>
-              <a:t>EC </a:t>
+              <a:t>onceived </a:t>
+            </a:r>
+            <a:r>
+              <a:rPr lang="en-US" dirty="0"/>
+              <a:t>in 1995 by </a:t>
+            </a:r>
+            <a:r>
+              <a:rPr lang="en-US" b="1" dirty="0" err="1"/>
+              <a:t>Storn</a:t>
+            </a:r>
+            <a:r>
+              <a:rPr lang="en-US" b="1" dirty="0"/>
+              <a:t> and </a:t>
+            </a:r>
+            <a:r>
+              <a:rPr lang="en-US" b="1" dirty="0" smtClean="0"/>
+              <a:t>Price</a:t>
+            </a:r>
+          </a:p>
+          <a:p>
+            <a:r>
+              <a:rPr lang="en-US" dirty="0"/>
+              <a:t>O</a:t>
             </a:r>
             <a:r>
               <a:rPr lang="en-US" dirty="0" smtClean="0"/>
-              <a:t>has been used to </a:t>
-            </a:r>
-            <a:r>
-              <a:rPr lang="en-US" dirty="0"/>
-              <a:t>improve ML </a:t>
-            </a:r>
+              <a:t>ne </a:t>
+            </a:r>
+            <a:r>
+              <a:rPr lang="en-US" dirty="0"/>
+              <a:t>of </a:t>
+            </a:r>
+            <a:r>
+              <a:rPr lang="en-US" b="1" dirty="0"/>
+              <a:t>the best algorithms</a:t>
+            </a:r>
+            <a:r>
+              <a:rPr lang="en-US" dirty="0"/>
+              <a:t> in continuous optimization </a:t>
+            </a:r>
+          </a:p>
+          <a:p>
             <a:r>
               <a:rPr lang="en-US" dirty="0" smtClean="0"/>
-              <a:t>techniques</a:t>
+              <a:t> Hybrids </a:t>
+            </a:r>
+            <a:r>
+              <a:rPr lang="en-US" dirty="0"/>
+              <a:t>of the algorithm </a:t>
             </a:r>
           </a:p>
           <a:p>
             <a:pPr lvl="1"/>
             <a:r>
               <a:rPr lang="en-US" dirty="0"/>
-              <a:t>U</a:t>
-            </a:r>
-            <a:r>
-              <a:rPr lang="en-US" dirty="0" smtClean="0"/>
-              <a:t>sing </a:t>
-            </a:r>
-            <a:r>
-              <a:rPr lang="en-US" dirty="0"/>
-              <a:t>DE to optimize feed-forward neural networks </a:t>
-            </a:r>
-            <a:endParaRPr lang="en-US" dirty="0" smtClean="0"/>
+              <a:t>self-adaptive DE </a:t>
+            </a:r>
           </a:p>
           <a:p>
             <a:pPr lvl="1"/>
             <a:r>
               <a:rPr lang="en-US" dirty="0"/>
-              <a:t>U</a:t>
-            </a:r>
-            <a:r>
-              <a:rPr lang="en-US" dirty="0" smtClean="0"/>
-              <a:t>sing </a:t>
-            </a:r>
-            <a:r>
-              <a:rPr lang="en-US" dirty="0"/>
-              <a:t>PSO to initialize weights and biases in a neural network before training </a:t>
-            </a:r>
-            <a:endParaRPr lang="en-US" dirty="0"/>
+              <a:t>opposition-based DE </a:t>
+            </a:r>
           </a:p>
           <a:p>
             <a:pPr lvl="1"/>
-            <a:endParaRPr lang="en-US" dirty="0"/>
+            <a:r>
+              <a:rPr lang="en-US" dirty="0"/>
+              <a:t>DE with global and local neighborhoods </a:t>
+            </a:r>
+          </a:p>
+          <a:p>
+            <a:r>
+              <a:rPr lang="en-US" dirty="0"/>
+              <a:t>DE uses </a:t>
+            </a:r>
+            <a:r>
+              <a:rPr lang="en-US" b="1" dirty="0"/>
+              <a:t>very few parameters </a:t>
+            </a:r>
+            <a:r>
+              <a:rPr lang="en-US" dirty="0"/>
+              <a:t>and the effects of altering these parameters have been well studied </a:t>
+            </a:r>
+          </a:p>
+          <a:p>
+            <a:r>
+              <a:rPr lang="en-US" dirty="0"/>
+              <a:t>DE comes in a total of </a:t>
+            </a:r>
+            <a:r>
+              <a:rPr lang="en-US" b="1" dirty="0"/>
+              <a:t>10 different varieties </a:t>
+            </a:r>
           </a:p>
           <a:p>
             <a:pPr lvl="1"/>
-            <a:endParaRPr lang="en-US" dirty="0"/>
-          </a:p>
-          <a:p>
-            <a:endParaRPr lang="en-US" dirty="0" smtClean="0"/>
+            <a:r>
+              <a:rPr lang="en-US" dirty="0"/>
+              <a:t>DE/best/1/bin generally yields the best results </a:t>
+            </a:r>
           </a:p>
           <a:p>
             <a:pPr lvl="1"/>
@@ -5789,7 +5738,7 @@
     </p:spTree>
     <p:extLst>
       <p:ext uri="{BB962C8B-B14F-4D97-AF65-F5344CB8AC3E}">
-        <p14:creationId xmlns:p14="http://schemas.microsoft.com/office/powerpoint/2010/main" val="83993473"/>
+        <p14:creationId xmlns:p14="http://schemas.microsoft.com/office/powerpoint/2010/main" val="1328911755"/>
       </p:ext>
     </p:extLst>
   </p:cSld>
@@ -5927,7 +5876,11 @@
           <a:p>
             <a:r>
               <a:rPr lang="en-US" sz="4000" dirty="0" smtClean="0"/>
-              <a:t>Contributions</a:t>
+              <a:t>Research: </a:t>
+            </a:r>
+            <a:r>
+              <a:rPr lang="en-US" sz="4000" b="1" dirty="0" smtClean="0"/>
+              <a:t>Particle Swarm Optimization</a:t>
             </a:r>
             <a:endParaRPr lang="en-US" sz="4000" b="1" dirty="0"/>
           </a:p>
@@ -5949,28 +5902,113 @@
           <a:lstStyle/>
           <a:p>
             <a:r>
-              <a:rPr lang="en-US" dirty="0"/>
-              <a:t>EC is a an interesting alternative to traditional approaches in machine learning and continuous optimization and while algorithms such as DE, PSO, etc. have been compared on mathematical benchmarks </a:t>
+              <a:rPr lang="en-US" b="1" dirty="0" smtClean="0"/>
+              <a:t>Most </a:t>
+            </a:r>
+            <a:r>
+              <a:rPr lang="en-US" b="1" dirty="0"/>
+              <a:t>widely used swarm </a:t>
+            </a:r>
+            <a:r>
+              <a:rPr lang="en-US" b="1" dirty="0" smtClean="0"/>
+              <a:t>intelligence </a:t>
+            </a:r>
+            <a:r>
+              <a:rPr lang="en-US" b="1" dirty="0"/>
+              <a:t>algorithm</a:t>
+            </a:r>
+            <a:r>
+              <a:rPr lang="en-US" dirty="0"/>
+              <a:t> to date </a:t>
+            </a:r>
+            <a:endParaRPr lang="en-US" dirty="0" smtClean="0"/>
+          </a:p>
+          <a:p>
+            <a:r>
+              <a:rPr lang="en-US" dirty="0"/>
+              <a:t>M</a:t>
             </a:r>
             <a:r>
               <a:rPr lang="en-US" dirty="0" smtClean="0"/>
-              <a:t>before, </a:t>
-            </a:r>
-            <a:r>
-              <a:rPr lang="en-US" dirty="0"/>
-              <a:t>the application of EC to machine learning has not been studied with as much detail. </a:t>
+              <a:t>odified </a:t>
+            </a:r>
+            <a:r>
+              <a:rPr lang="en-US" dirty="0"/>
+              <a:t>versions </a:t>
             </a:r>
             <a:endParaRPr lang="en-US" dirty="0" smtClean="0"/>
           </a:p>
           <a:p>
+            <a:pPr lvl="1"/>
+            <a:r>
+              <a:rPr lang="en-US" dirty="0"/>
+              <a:t>quantum-behaved PSO </a:t>
+            </a:r>
+          </a:p>
+          <a:p>
+            <a:pPr lvl="1"/>
+            <a:r>
+              <a:rPr lang="en-US" dirty="0"/>
+              <a:t>bare-bones PSO </a:t>
+            </a:r>
+          </a:p>
+          <a:p>
+            <a:pPr lvl="1"/>
+            <a:r>
+              <a:rPr lang="en-US" dirty="0"/>
+              <a:t>chaotic PSO </a:t>
+            </a:r>
+          </a:p>
+          <a:p>
+            <a:pPr lvl="1"/>
+            <a:r>
+              <a:rPr lang="en-US" dirty="0"/>
+              <a:t>fuzzy PSO </a:t>
+            </a:r>
+          </a:p>
+          <a:p>
+            <a:pPr lvl="1"/>
+            <a:r>
+              <a:rPr lang="en-US" dirty="0"/>
+              <a:t>PSOT-VAC </a:t>
+            </a:r>
+          </a:p>
+          <a:p>
+            <a:pPr lvl="1"/>
+            <a:r>
+              <a:rPr lang="en-US" dirty="0"/>
+              <a:t>opposition-based PSO </a:t>
+            </a:r>
+          </a:p>
+          <a:p>
+            <a:r>
+              <a:rPr lang="en-US" dirty="0"/>
+              <a:t>H</a:t>
+            </a:r>
             <a:r>
               <a:rPr lang="en-US" dirty="0" smtClean="0"/>
-              <a:t>My </a:t>
-            </a:r>
-            <a:r>
-              <a:rPr lang="en-US" dirty="0"/>
-              <a:t>primary contribution to the field will be to find what algorithms work best for different ML problems and based on this propose ML-specific improvements. </a:t>
-            </a:r>
+              <a:t>ybridized </a:t>
+            </a:r>
+            <a:r>
+              <a:rPr lang="en-US" dirty="0"/>
+              <a:t>with other </a:t>
+            </a:r>
+            <a:r>
+              <a:rPr lang="en-US" dirty="0" smtClean="0"/>
+              <a:t>evolutionary algorithms</a:t>
+            </a:r>
+          </a:p>
+          <a:p>
+            <a:endParaRPr lang="en-US" dirty="0"/>
+          </a:p>
+          <a:p>
+            <a:endParaRPr lang="en-US" dirty="0"/>
+          </a:p>
+          <a:p>
+            <a:pPr lvl="1"/>
+            <a:endParaRPr lang="en-US" dirty="0"/>
+          </a:p>
+          <a:p>
             <a:endParaRPr lang="en-US" dirty="0"/>
           </a:p>
         </p:txBody>
@@ -5978,7 +6016,7 @@
     </p:spTree>
     <p:extLst>
       <p:ext uri="{BB962C8B-B14F-4D97-AF65-F5344CB8AC3E}">
-        <p14:creationId xmlns:p14="http://schemas.microsoft.com/office/powerpoint/2010/main" val="434109246"/>
+        <p14:creationId xmlns:p14="http://schemas.microsoft.com/office/powerpoint/2010/main" val="2085687131"/>
       </p:ext>
     </p:extLst>
   </p:cSld>
@@ -6024,36 +6062,122 @@
         </p:nvSpPr>
         <p:spPr/>
         <p:txBody>
+          <a:bodyPr>
+            <a:normAutofit/>
+          </a:bodyPr>
+          <a:lstStyle/>
+          <a:p>
+            <a:r>
+              <a:rPr lang="en-US" sz="4000" dirty="0" smtClean="0"/>
+              <a:t>Research: </a:t>
+            </a:r>
+            <a:r>
+              <a:rPr lang="en-US" sz="4000" b="1" dirty="0"/>
+              <a:t>Estimation of Distribution Algorithms </a:t>
+            </a:r>
+          </a:p>
+        </p:txBody>
+      </p:sp>
+      <p:sp>
+        <p:nvSpPr>
+          <p:cNvPr id="3" name="Content Placeholder 2"/>
+          <p:cNvSpPr>
+            <a:spLocks noGrp="1"/>
+          </p:cNvSpPr>
+          <p:nvPr>
+            <p:ph idx="1"/>
+          </p:nvPr>
+        </p:nvSpPr>
+        <p:spPr/>
+        <p:txBody>
           <a:bodyPr/>
           <a:lstStyle/>
           <a:p>
             <a:r>
+              <a:rPr lang="en-US" dirty="0"/>
+              <a:t>U</a:t>
+            </a:r>
+            <a:r>
               <a:rPr lang="en-US" dirty="0" smtClean="0"/>
-              <a:t>Problem formulation</a:t>
-            </a:r>
-            <a:endParaRPr lang="en-US" dirty="0"/>
-          </a:p>
-        </p:txBody>
-      </p:sp>
-      <p:sp>
-        <p:nvSpPr>
-          <p:cNvPr id="3" name="Text Placeholder 2"/>
-          <p:cNvSpPr>
-            <a:spLocks noGrp="1"/>
-          </p:cNvSpPr>
-          <p:nvPr>
-            <p:ph type="body" idx="1"/>
-          </p:nvPr>
-        </p:nvSpPr>
-        <p:spPr/>
-        <p:txBody>
-          <a:bodyPr/>
-          <a:lstStyle/>
-          <a:p>
+              <a:t>se </a:t>
+            </a:r>
+            <a:r>
+              <a:rPr lang="en-US" dirty="0"/>
+              <a:t>probabilistic models to solve complex optimization problems </a:t>
+            </a:r>
+          </a:p>
+          <a:p>
+            <a:r>
+              <a:rPr lang="en-US" b="1" dirty="0"/>
+              <a:t>S</a:t>
+            </a:r>
+            <a:r>
+              <a:rPr lang="en-US" b="1" dirty="0" smtClean="0"/>
+              <a:t>uccessful </a:t>
+            </a:r>
+            <a:r>
+              <a:rPr lang="en-US" b="1" dirty="0"/>
+              <a:t>at many engineering problems which at which other algorithms have failed </a:t>
+            </a:r>
+            <a:endParaRPr lang="en-US" b="1" dirty="0" smtClean="0"/>
+          </a:p>
+          <a:p>
+            <a:pPr lvl="1"/>
+            <a:r>
+              <a:rPr lang="en-US" dirty="0"/>
+              <a:t>military antenna design, protein structure prediction, clustering of genes, chemotherapy optimization, portfolio </a:t>
+            </a:r>
             <a:r>
               <a:rPr lang="en-US" dirty="0" smtClean="0"/>
-              <a:t>Benchmarks, Measurements and New Algorithms</a:t>
-            </a:r>
+              <a:t>management</a:t>
+            </a:r>
+          </a:p>
+          <a:p>
+            <a:r>
+              <a:rPr lang="en-US" dirty="0" smtClean="0"/>
+              <a:t>Improvements	</a:t>
+            </a:r>
+            <a:endParaRPr lang="en-US" dirty="0"/>
+          </a:p>
+          <a:p>
+            <a:pPr lvl="1"/>
+            <a:r>
+              <a:rPr lang="en-US" dirty="0"/>
+              <a:t>Parallelization of fitness evaluation </a:t>
+            </a:r>
+            <a:r>
+              <a:rPr lang="en-US" dirty="0" smtClean="0"/>
+              <a:t>and model building</a:t>
+            </a:r>
+          </a:p>
+          <a:p>
+            <a:pPr lvl="1"/>
+            <a:r>
+              <a:rPr lang="en-US" dirty="0"/>
+              <a:t>Local optimization techniques </a:t>
+            </a:r>
+            <a:r>
+              <a:rPr lang="en-US" dirty="0" smtClean="0"/>
+              <a:t>(</a:t>
+            </a:r>
+            <a:r>
+              <a:rPr lang="en-US" dirty="0"/>
+              <a:t>deterministic hill </a:t>
+            </a:r>
+            <a:r>
+              <a:rPr lang="en-US" dirty="0" smtClean="0"/>
+              <a:t>climbing)</a:t>
+            </a:r>
+          </a:p>
+          <a:p>
+            <a:pPr lvl="1"/>
+            <a:endParaRPr lang="en-US" dirty="0"/>
+          </a:p>
+          <a:p>
+            <a:pPr lvl="1"/>
+            <a:endParaRPr lang="en-US" dirty="0"/>
+          </a:p>
+          <a:p>
             <a:endParaRPr lang="en-US" dirty="0"/>
           </a:p>
         </p:txBody>
@@ -6061,7 +6185,7 @@
     </p:spTree>
     <p:extLst>
       <p:ext uri="{BB962C8B-B14F-4D97-AF65-F5344CB8AC3E}">
-        <p14:creationId xmlns:p14="http://schemas.microsoft.com/office/powerpoint/2010/main" val="440424940"/>
+        <p14:creationId xmlns:p14="http://schemas.microsoft.com/office/powerpoint/2010/main" val="73333298"/>
       </p:ext>
     </p:extLst>
   </p:cSld>
@@ -6107,77 +6231,124 @@
         </p:nvSpPr>
         <p:spPr/>
         <p:txBody>
+          <a:bodyPr>
+            <a:normAutofit/>
+          </a:bodyPr>
+          <a:lstStyle/>
+          <a:p>
+            <a:r>
+              <a:rPr lang="en-US" sz="4000" dirty="0" smtClean="0"/>
+              <a:t>Research: </a:t>
+            </a:r>
+            <a:r>
+              <a:rPr lang="en-US" sz="4000" b="1" dirty="0" smtClean="0"/>
+              <a:t>Machine Learning and Evolutionary Computation</a:t>
+            </a:r>
+            <a:endParaRPr lang="en-US" sz="4000" b="1" dirty="0"/>
+          </a:p>
+        </p:txBody>
+      </p:sp>
+      <p:sp>
+        <p:nvSpPr>
+          <p:cNvPr id="3" name="Content Placeholder 2"/>
+          <p:cNvSpPr>
+            <a:spLocks noGrp="1"/>
+          </p:cNvSpPr>
+          <p:nvPr>
+            <p:ph idx="1"/>
+          </p:nvPr>
+        </p:nvSpPr>
+        <p:spPr/>
+        <p:txBody>
           <a:bodyPr/>
           <a:lstStyle/>
           <a:p>
             <a:r>
               <a:rPr lang="en-US" dirty="0"/>
-              <a:t>Research Questions </a:t>
-            </a:r>
-            <a:r>
-              <a:rPr lang="en-US" dirty="0"/>
-              <a:t/>
-            </a:r>
-            <a:br>
-              <a:rPr lang="en-US" dirty="0"/>
-            </a:br>
-            <a:endParaRPr lang="en-US" dirty="0"/>
-          </a:p>
-        </p:txBody>
-      </p:sp>
-      <p:sp>
-        <p:nvSpPr>
-          <p:cNvPr id="3" name="Content Placeholder 2"/>
-          <p:cNvSpPr>
-            <a:spLocks noGrp="1"/>
-          </p:cNvSpPr>
-          <p:nvPr>
-            <p:ph idx="1"/>
-          </p:nvPr>
-        </p:nvSpPr>
-        <p:spPr/>
-        <p:txBody>
-          <a:bodyPr/>
-          <a:lstStyle/>
-          <a:p>
-            <a:r>
-              <a:rPr lang="en-US" dirty="0"/>
-              <a:t>How do DE, PSO and EDA perform comparatively when applied to mathematical </a:t>
+              <a:t>M</a:t>
             </a:r>
             <a:r>
               <a:rPr lang="en-US" dirty="0" smtClean="0"/>
-              <a:t>optimization </a:t>
-            </a:r>
-            <a:r>
-              <a:rPr lang="en-US" dirty="0"/>
-              <a:t>problems? </a:t>
-            </a:r>
-          </a:p>
-          <a:p>
-            <a:r>
-              <a:rPr lang="en-US" dirty="0"/>
-              <a:t>How do DE, PSO and EDA perform comparatively when applied to machine learning </a:t>
+              <a:t>any </a:t>
+            </a:r>
+            <a:r>
+              <a:rPr lang="en-US" dirty="0"/>
+              <a:t>attempts have therefore been made to combine the two </a:t>
+            </a:r>
+          </a:p>
+          <a:p>
+            <a:r>
+              <a:rPr lang="en-US" dirty="0"/>
+              <a:t>ML has been used to improve EC optimization algorithms </a:t>
+            </a:r>
+          </a:p>
+          <a:p>
+            <a:r>
+              <a:rPr lang="en-US" dirty="0"/>
+              <a:t>EC </a:t>
             </a:r>
             <a:r>
               <a:rPr lang="en-US" dirty="0" smtClean="0"/>
-              <a:t>problems </a:t>
-            </a:r>
-            <a:r>
-              <a:rPr lang="en-US" dirty="0"/>
-              <a:t>such as neural network optimization and artificial intelligence in games </a:t>
-            </a:r>
-          </a:p>
-          <a:p>
-            <a:r>
-              <a:rPr lang="en-US" dirty="0"/>
-              <a:t>How are DE, PSO and EDA suited to these different problems? </a:t>
-            </a:r>
-          </a:p>
-          <a:p>
-            <a:r>
-              <a:rPr lang="en-US" dirty="0"/>
-              <a:t>Can an improved algorithm which draws inspiration from the design of DE, PSO and/or EDA outperform any of them in some/all of the aforementioned benchmarks and problem sets? </a:t>
-            </a:r>
+              <a:t>has been used to </a:t>
+            </a:r>
+            <a:r>
+              <a:rPr lang="en-US" dirty="0"/>
+              <a:t>improve ML </a:t>
+            </a:r>
+            <a:r>
+              <a:rPr lang="en-US" dirty="0" smtClean="0"/>
+              <a:t>techniques</a:t>
+            </a:r>
+          </a:p>
+          <a:p>
+            <a:pPr lvl="1"/>
+            <a:r>
+              <a:rPr lang="en-US" b="1" dirty="0"/>
+              <a:t>U</a:t>
+            </a:r>
+            <a:r>
+              <a:rPr lang="en-US" b="1" dirty="0" smtClean="0"/>
+              <a:t>sing </a:t>
+            </a:r>
+            <a:r>
+              <a:rPr lang="en-US" b="1" dirty="0"/>
+              <a:t>DE to optimize feed-forward neural networks </a:t>
+            </a:r>
+            <a:endParaRPr lang="en-US" b="1" dirty="0" smtClean="0"/>
+          </a:p>
+          <a:p>
+            <a:pPr lvl="1"/>
+            <a:r>
+              <a:rPr lang="en-US" dirty="0"/>
+              <a:t>U</a:t>
+            </a:r>
+            <a:r>
+              <a:rPr lang="en-US" dirty="0" smtClean="0"/>
+              <a:t>sing </a:t>
+            </a:r>
+            <a:r>
+              <a:rPr lang="en-US" dirty="0"/>
+              <a:t>PSO to initialize weights and biases in a neural network before training </a:t>
+            </a:r>
+          </a:p>
+          <a:p>
+            <a:pPr lvl="1"/>
+            <a:endParaRPr lang="en-US" dirty="0"/>
+          </a:p>
+          <a:p>
+            <a:pPr lvl="1"/>
+            <a:endParaRPr lang="en-US" dirty="0"/>
+          </a:p>
+          <a:p>
+            <a:endParaRPr lang="en-US" dirty="0" smtClean="0"/>
+          </a:p>
+          <a:p>
+            <a:pPr lvl="1"/>
+            <a:endParaRPr lang="en-US" dirty="0"/>
+          </a:p>
+          <a:p>
+            <a:pPr lvl="1"/>
+            <a:endParaRPr lang="en-US" dirty="0"/>
           </a:p>
           <a:p>
             <a:endParaRPr lang="en-US" dirty="0"/>
@@ -6187,7 +6358,7 @@
     </p:spTree>
     <p:extLst>
       <p:ext uri="{BB962C8B-B14F-4D97-AF65-F5344CB8AC3E}">
-        <p14:creationId xmlns:p14="http://schemas.microsoft.com/office/powerpoint/2010/main" val="1062081405"/>
+        <p14:creationId xmlns:p14="http://schemas.microsoft.com/office/powerpoint/2010/main" val="83993473"/>
       </p:ext>
     </p:extLst>
   </p:cSld>
@@ -6233,103 +6404,76 @@
         </p:nvSpPr>
         <p:spPr/>
         <p:txBody>
+          <a:bodyPr>
+            <a:normAutofit/>
+          </a:bodyPr>
+          <a:lstStyle/>
+          <a:p>
+            <a:r>
+              <a:rPr lang="en-US" sz="4000" dirty="0" smtClean="0"/>
+              <a:t>Contributions</a:t>
+            </a:r>
+            <a:endParaRPr lang="en-US" sz="4000" b="1" dirty="0"/>
+          </a:p>
+        </p:txBody>
+      </p:sp>
+      <p:sp>
+        <p:nvSpPr>
+          <p:cNvPr id="3" name="Content Placeholder 2"/>
+          <p:cNvSpPr>
+            <a:spLocks noGrp="1"/>
+          </p:cNvSpPr>
+          <p:nvPr>
+            <p:ph idx="1"/>
+          </p:nvPr>
+        </p:nvSpPr>
+        <p:spPr/>
+        <p:txBody>
           <a:bodyPr/>
           <a:lstStyle/>
           <a:p>
             <a:r>
+              <a:rPr lang="en-US" dirty="0"/>
+              <a:t>EC is a an interesting alternative to traditional approaches in machine learning and continuous optimization and while algorithms such as DE, PSO, etc. have been compared on mathematical benchmarks </a:t>
+            </a:r>
+            <a:r>
               <a:rPr lang="en-US" dirty="0" smtClean="0"/>
-              <a:t>Outcomes</a:t>
-            </a:r>
-            <a:endParaRPr lang="en-US" dirty="0"/>
-          </a:p>
-        </p:txBody>
-      </p:sp>
-      <p:sp>
-        <p:nvSpPr>
-          <p:cNvPr id="3" name="Content Placeholder 2"/>
-          <p:cNvSpPr>
-            <a:spLocks noGrp="1"/>
-          </p:cNvSpPr>
-          <p:nvPr>
-            <p:ph idx="1"/>
-          </p:nvPr>
-        </p:nvSpPr>
-        <p:spPr/>
-        <p:txBody>
-          <a:bodyPr/>
-          <a:lstStyle/>
-          <a:p>
-            <a:r>
-              <a:rPr lang="en-US" dirty="0"/>
-              <a:t>Benchmark DE, PSO, EDA on mathematical optimization </a:t>
-            </a:r>
+              <a:t>before, </a:t>
+            </a:r>
+            <a:r>
+              <a:rPr lang="en-US" b="1" dirty="0"/>
+              <a:t>the application of EC to machine learning has not been studied with as much detail</a:t>
+            </a:r>
+            <a:r>
+              <a:rPr lang="en-US" dirty="0"/>
+              <a:t>. </a:t>
+            </a:r>
+            <a:endParaRPr lang="en-US" dirty="0" smtClean="0"/>
+          </a:p>
+          <a:p>
             <a:r>
               <a:rPr lang="en-US" dirty="0" smtClean="0"/>
-              <a:t>problems</a:t>
-            </a:r>
-          </a:p>
-          <a:p>
-            <a:r>
-              <a:rPr lang="en-US" dirty="0" smtClean="0"/>
-              <a:t>Benchmark </a:t>
-            </a:r>
-            <a:r>
-              <a:rPr lang="en-US" dirty="0"/>
-              <a:t>DE, PSO, EDA on machine learning </a:t>
-            </a:r>
-            <a:r>
-              <a:rPr lang="en-US" dirty="0" smtClean="0"/>
-              <a:t>problems</a:t>
-            </a:r>
-          </a:p>
-          <a:p>
-            <a:r>
-              <a:rPr lang="en-US" dirty="0" smtClean="0"/>
-              <a:t>Develop </a:t>
-            </a:r>
-            <a:r>
-              <a:rPr lang="en-US" dirty="0"/>
-              <a:t>a new algorithm inspired by DE, PSO and/or </a:t>
-            </a:r>
-            <a:r>
-              <a:rPr lang="en-US" dirty="0" smtClean="0"/>
-              <a:t>EDA</a:t>
-            </a:r>
-          </a:p>
-          <a:p>
-            <a:r>
-              <a:rPr lang="en-US" dirty="0" smtClean="0"/>
-              <a:t>Benchmark </a:t>
-            </a:r>
-            <a:r>
-              <a:rPr lang="en-US" dirty="0"/>
-              <a:t>the new </a:t>
-            </a:r>
-            <a:r>
-              <a:rPr lang="en-US" dirty="0" smtClean="0"/>
-              <a:t>algorithm</a:t>
-            </a:r>
-          </a:p>
-          <a:p>
-            <a:r>
-              <a:rPr lang="en-US" dirty="0" smtClean="0"/>
-              <a:t>Compare </a:t>
-            </a:r>
-            <a:r>
-              <a:rPr lang="en-US" dirty="0"/>
-              <a:t>the new algorithm with DE, PSO and EDA and draw conclusions from the results </a:t>
-            </a:r>
-            <a:endParaRPr lang="en-US" dirty="0"/>
-          </a:p>
-          <a:p>
-            <a:endParaRPr lang="en-US" dirty="0"/>
+              <a:t>My </a:t>
+            </a:r>
+            <a:r>
+              <a:rPr lang="en-US" dirty="0"/>
+              <a:t>primary contribution to the field will be to </a:t>
+            </a:r>
+            <a:r>
+              <a:rPr lang="en-US" b="1" dirty="0"/>
+              <a:t>find what algorithms work best for different ML problems</a:t>
+            </a:r>
+            <a:r>
+              <a:rPr lang="en-US" dirty="0"/>
+              <a:t> and based on this propose ML-specific improvements. </a:t>
+            </a:r>
           </a:p>
         </p:txBody>
       </p:sp>
     </p:spTree>
     <p:extLst>
       <p:ext uri="{BB962C8B-B14F-4D97-AF65-F5344CB8AC3E}">
-        <p14:creationId xmlns:p14="http://schemas.microsoft.com/office/powerpoint/2010/main" val="655696486"/>
+        <p14:creationId xmlns:p14="http://schemas.microsoft.com/office/powerpoint/2010/main" val="434109246"/>
       </p:ext>
     </p:extLst>
   </p:cSld>
@@ -6380,6 +6524,352 @@
           <a:p>
             <a:r>
               <a:rPr lang="en-US" dirty="0" smtClean="0"/>
+              <a:t>Problem formulation</a:t>
+            </a:r>
+            <a:endParaRPr lang="en-US" dirty="0"/>
+          </a:p>
+        </p:txBody>
+      </p:sp>
+      <p:sp>
+        <p:nvSpPr>
+          <p:cNvPr id="3" name="Text Placeholder 2"/>
+          <p:cNvSpPr>
+            <a:spLocks noGrp="1"/>
+          </p:cNvSpPr>
+          <p:nvPr>
+            <p:ph type="body" idx="1"/>
+          </p:nvPr>
+        </p:nvSpPr>
+        <p:spPr/>
+        <p:txBody>
+          <a:bodyPr/>
+          <a:lstStyle/>
+          <a:p>
+            <a:r>
+              <a:rPr lang="en-US" dirty="0" smtClean="0"/>
+              <a:t>Benchmarks, Measurements and New Algorithms</a:t>
+            </a:r>
+            <a:endParaRPr lang="en-US" dirty="0"/>
+          </a:p>
+        </p:txBody>
+      </p:sp>
+    </p:spTree>
+    <p:extLst>
+      <p:ext uri="{BB962C8B-B14F-4D97-AF65-F5344CB8AC3E}">
+        <p14:creationId xmlns:p14="http://schemas.microsoft.com/office/powerpoint/2010/main" val="440424940"/>
+      </p:ext>
+    </p:extLst>
+  </p:cSld>
+  <p:clrMapOvr>
+    <a:masterClrMapping/>
+  </p:clrMapOvr>
+  <p:timing>
+    <p:tnLst>
+      <p:par>
+        <p:cTn id="1" dur="indefinite" restart="never" nodeType="tmRoot"/>
+      </p:par>
+    </p:tnLst>
+  </p:timing>
+</p:sld>
+</file>
+
+<file path=ppt/slides/slide25.xml><?xml version="1.0" encoding="utf-8"?>
+<p:sld xmlns:a="http://schemas.openxmlformats.org/drawingml/2006/main" xmlns:r="http://schemas.openxmlformats.org/officeDocument/2006/relationships" xmlns:p="http://schemas.openxmlformats.org/presentationml/2006/main">
+  <p:cSld>
+    <p:spTree>
+      <p:nvGrpSpPr>
+        <p:cNvPr id="1" name=""/>
+        <p:cNvGrpSpPr/>
+        <p:nvPr/>
+      </p:nvGrpSpPr>
+      <p:grpSpPr>
+        <a:xfrm>
+          <a:off x="0" y="0"/>
+          <a:ext cx="0" cy="0"/>
+          <a:chOff x="0" y="0"/>
+          <a:chExt cx="0" cy="0"/>
+        </a:xfrm>
+      </p:grpSpPr>
+      <p:sp>
+        <p:nvSpPr>
+          <p:cNvPr id="2" name="Title 1"/>
+          <p:cNvSpPr>
+            <a:spLocks noGrp="1"/>
+          </p:cNvSpPr>
+          <p:nvPr>
+            <p:ph type="title"/>
+          </p:nvPr>
+        </p:nvSpPr>
+        <p:spPr/>
+        <p:txBody>
+          <a:bodyPr/>
+          <a:lstStyle/>
+          <a:p>
+            <a:r>
+              <a:rPr lang="en-US" dirty="0"/>
+              <a:t>Research Questions </a:t>
+            </a:r>
+            <a:br>
+              <a:rPr lang="en-US" dirty="0"/>
+            </a:br>
+            <a:endParaRPr lang="en-US" dirty="0"/>
+          </a:p>
+        </p:txBody>
+      </p:sp>
+      <p:sp>
+        <p:nvSpPr>
+          <p:cNvPr id="3" name="Content Placeholder 2"/>
+          <p:cNvSpPr>
+            <a:spLocks noGrp="1"/>
+          </p:cNvSpPr>
+          <p:nvPr>
+            <p:ph idx="1"/>
+          </p:nvPr>
+        </p:nvSpPr>
+        <p:spPr/>
+        <p:txBody>
+          <a:bodyPr/>
+          <a:lstStyle/>
+          <a:p>
+            <a:r>
+              <a:rPr lang="en-US" dirty="0"/>
+              <a:t>How do DE, PSO and EDA perform comparatively when applied to mathematical </a:t>
+            </a:r>
+            <a:r>
+              <a:rPr lang="en-US" dirty="0" smtClean="0"/>
+              <a:t>optimization </a:t>
+            </a:r>
+            <a:r>
+              <a:rPr lang="en-US" dirty="0"/>
+              <a:t>problems? </a:t>
+            </a:r>
+          </a:p>
+          <a:p>
+            <a:r>
+              <a:rPr lang="en-US" dirty="0"/>
+              <a:t>How do DE, PSO and EDA perform comparatively when applied to machine learning </a:t>
+            </a:r>
+            <a:r>
+              <a:rPr lang="en-US" dirty="0" smtClean="0"/>
+              <a:t>problems </a:t>
+            </a:r>
+            <a:r>
+              <a:rPr lang="en-US" dirty="0"/>
+              <a:t>such as neural network optimization and artificial intelligence in games </a:t>
+            </a:r>
+          </a:p>
+          <a:p>
+            <a:r>
+              <a:rPr lang="en-US" dirty="0"/>
+              <a:t>How are DE, PSO and EDA suited to these different problems? </a:t>
+            </a:r>
+          </a:p>
+          <a:p>
+            <a:r>
+              <a:rPr lang="en-US" dirty="0"/>
+              <a:t>Can an improved algorithm which draws inspiration from the design of DE, PSO and/or EDA outperform any of them in some/all of the aforementioned benchmarks and problem sets? </a:t>
+            </a:r>
+          </a:p>
+          <a:p>
+            <a:endParaRPr lang="en-US" dirty="0"/>
+          </a:p>
+        </p:txBody>
+      </p:sp>
+    </p:spTree>
+    <p:extLst>
+      <p:ext uri="{BB962C8B-B14F-4D97-AF65-F5344CB8AC3E}">
+        <p14:creationId xmlns:p14="http://schemas.microsoft.com/office/powerpoint/2010/main" val="1062081405"/>
+      </p:ext>
+    </p:extLst>
+  </p:cSld>
+  <p:clrMapOvr>
+    <a:masterClrMapping/>
+  </p:clrMapOvr>
+  <p:timing>
+    <p:tnLst>
+      <p:par>
+        <p:cTn id="1" dur="indefinite" restart="never" nodeType="tmRoot"/>
+      </p:par>
+    </p:tnLst>
+  </p:timing>
+</p:sld>
+</file>
+
+<file path=ppt/slides/slide26.xml><?xml version="1.0" encoding="utf-8"?>
+<p:sld xmlns:a="http://schemas.openxmlformats.org/drawingml/2006/main" xmlns:r="http://schemas.openxmlformats.org/officeDocument/2006/relationships" xmlns:p="http://schemas.openxmlformats.org/presentationml/2006/main">
+  <p:cSld>
+    <p:spTree>
+      <p:nvGrpSpPr>
+        <p:cNvPr id="1" name=""/>
+        <p:cNvGrpSpPr/>
+        <p:nvPr/>
+      </p:nvGrpSpPr>
+      <p:grpSpPr>
+        <a:xfrm>
+          <a:off x="0" y="0"/>
+          <a:ext cx="0" cy="0"/>
+          <a:chOff x="0" y="0"/>
+          <a:chExt cx="0" cy="0"/>
+        </a:xfrm>
+      </p:grpSpPr>
+      <p:sp>
+        <p:nvSpPr>
+          <p:cNvPr id="2" name="Title 1"/>
+          <p:cNvSpPr>
+            <a:spLocks noGrp="1"/>
+          </p:cNvSpPr>
+          <p:nvPr>
+            <p:ph type="title"/>
+          </p:nvPr>
+        </p:nvSpPr>
+        <p:spPr/>
+        <p:txBody>
+          <a:bodyPr/>
+          <a:lstStyle/>
+          <a:p>
+            <a:r>
+              <a:rPr lang="en-US" dirty="0" smtClean="0"/>
+              <a:t>Outcomes</a:t>
+            </a:r>
+            <a:endParaRPr lang="en-US" dirty="0"/>
+          </a:p>
+        </p:txBody>
+      </p:sp>
+      <p:sp>
+        <p:nvSpPr>
+          <p:cNvPr id="3" name="Content Placeholder 2"/>
+          <p:cNvSpPr>
+            <a:spLocks noGrp="1"/>
+          </p:cNvSpPr>
+          <p:nvPr>
+            <p:ph idx="1"/>
+          </p:nvPr>
+        </p:nvSpPr>
+        <p:spPr/>
+        <p:txBody>
+          <a:bodyPr/>
+          <a:lstStyle/>
+          <a:p>
+            <a:r>
+              <a:rPr lang="en-US" dirty="0"/>
+              <a:t>Benchmark DE, PSO, EDA on mathematical optimization </a:t>
+            </a:r>
+            <a:r>
+              <a:rPr lang="en-US" dirty="0" smtClean="0"/>
+              <a:t>problems</a:t>
+            </a:r>
+          </a:p>
+          <a:p>
+            <a:r>
+              <a:rPr lang="en-US" dirty="0" smtClean="0"/>
+              <a:t>Benchmark </a:t>
+            </a:r>
+            <a:r>
+              <a:rPr lang="en-US" dirty="0"/>
+              <a:t>DE, PSO, EDA on machine learning </a:t>
+            </a:r>
+            <a:r>
+              <a:rPr lang="en-US" dirty="0" smtClean="0"/>
+              <a:t>problems</a:t>
+            </a:r>
+          </a:p>
+          <a:p>
+            <a:r>
+              <a:rPr lang="en-US" dirty="0" smtClean="0"/>
+              <a:t>Develop </a:t>
+            </a:r>
+            <a:r>
+              <a:rPr lang="en-US" dirty="0"/>
+              <a:t>a new algorithm inspired by DE, PSO and/or </a:t>
+            </a:r>
+            <a:r>
+              <a:rPr lang="en-US" dirty="0" smtClean="0"/>
+              <a:t>EDA</a:t>
+            </a:r>
+          </a:p>
+          <a:p>
+            <a:r>
+              <a:rPr lang="en-US" dirty="0" smtClean="0"/>
+              <a:t>Benchmark </a:t>
+            </a:r>
+            <a:r>
+              <a:rPr lang="en-US" dirty="0"/>
+              <a:t>the new </a:t>
+            </a:r>
+            <a:r>
+              <a:rPr lang="en-US" dirty="0" smtClean="0"/>
+              <a:t>algorithm</a:t>
+            </a:r>
+          </a:p>
+          <a:p>
+            <a:r>
+              <a:rPr lang="en-US" dirty="0" smtClean="0"/>
+              <a:t>Compare </a:t>
+            </a:r>
+            <a:r>
+              <a:rPr lang="en-US" dirty="0"/>
+              <a:t>the new algorithm with DE, PSO and EDA and draw conclusions from the results </a:t>
+            </a:r>
+          </a:p>
+          <a:p>
+            <a:endParaRPr lang="en-US" dirty="0"/>
+          </a:p>
+        </p:txBody>
+      </p:sp>
+    </p:spTree>
+    <p:extLst>
+      <p:ext uri="{BB962C8B-B14F-4D97-AF65-F5344CB8AC3E}">
+        <p14:creationId xmlns:p14="http://schemas.microsoft.com/office/powerpoint/2010/main" val="655696486"/>
+      </p:ext>
+    </p:extLst>
+  </p:cSld>
+  <p:clrMapOvr>
+    <a:masterClrMapping/>
+  </p:clrMapOvr>
+  <p:timing>
+    <p:tnLst>
+      <p:par>
+        <p:cTn id="1" dur="indefinite" restart="never" nodeType="tmRoot"/>
+      </p:par>
+    </p:tnLst>
+  </p:timing>
+</p:sld>
+</file>
+
+<file path=ppt/slides/slide27.xml><?xml version="1.0" encoding="utf-8"?>
+<p:sld xmlns:a="http://schemas.openxmlformats.org/drawingml/2006/main" xmlns:r="http://schemas.openxmlformats.org/officeDocument/2006/relationships" xmlns:p="http://schemas.openxmlformats.org/presentationml/2006/main">
+  <p:cSld>
+    <p:spTree>
+      <p:nvGrpSpPr>
+        <p:cNvPr id="1" name=""/>
+        <p:cNvGrpSpPr/>
+        <p:nvPr/>
+      </p:nvGrpSpPr>
+      <p:grpSpPr>
+        <a:xfrm>
+          <a:off x="0" y="0"/>
+          <a:ext cx="0" cy="0"/>
+          <a:chOff x="0" y="0"/>
+          <a:chExt cx="0" cy="0"/>
+        </a:xfrm>
+      </p:grpSpPr>
+      <p:sp>
+        <p:nvSpPr>
+          <p:cNvPr id="2" name="Title 1"/>
+          <p:cNvSpPr>
+            <a:spLocks noGrp="1"/>
+          </p:cNvSpPr>
+          <p:nvPr>
+            <p:ph type="title"/>
+          </p:nvPr>
+        </p:nvSpPr>
+        <p:spPr/>
+        <p:txBody>
+          <a:bodyPr/>
+          <a:lstStyle/>
+          <a:p>
+            <a:r>
+              <a:rPr lang="en-US" dirty="0" smtClean="0"/>
               <a:t>Time plan</a:t>
             </a:r>
             <a:endParaRPr lang="en-US" dirty="0"/>
@@ -6425,7 +6915,7 @@
 </p:sld>
 </file>
 
-<file path=ppt/slides/slide25.xml><?xml version="1.0" encoding="utf-8"?>
+<file path=ppt/slides/slide28.xml><?xml version="1.0" encoding="utf-8"?>
 <p:sld xmlns:a="http://schemas.openxmlformats.org/drawingml/2006/main" xmlns:r="http://schemas.openxmlformats.org/officeDocument/2006/relationships" xmlns:p="http://schemas.openxmlformats.org/presentationml/2006/main">
   <p:cSld>
     <p:spTree>
@@ -6852,21 +7342,51 @@
           <a:p>
             <a:r>
               <a:rPr lang="en-US" dirty="0"/>
-              <a:t>Evolutionary computation focuses on problem solving algorithms which draw inspiration from natural processes. </a:t>
-            </a:r>
-            <a:endParaRPr lang="en-US" dirty="0"/>
-          </a:p>
-          <a:p>
-            <a:r>
-              <a:rPr lang="en-US" dirty="0"/>
-              <a:t>The basic rationale of the field is to adapt the mathematical models of biological Darwinian evolution to optimization problems. </a:t>
-            </a:r>
-            <a:endParaRPr lang="en-US" dirty="0"/>
-          </a:p>
-          <a:p>
-            <a:r>
-              <a:rPr lang="en-US" dirty="0"/>
-              <a:t>The usefulness of this can be illustrated by imagining that an organism acts as an “input” to the “model” of it’s natural environment and produces an “output” in the form of offspring. Through multiple iterations biological evolution culls the population of organisms, only keeping the fit </a:t>
+              <a:t>Evolutionary computation focuses on </a:t>
+            </a:r>
+            <a:r>
+              <a:rPr lang="en-US" b="1" dirty="0"/>
+              <a:t>problem solving algorithms</a:t>
+            </a:r>
+            <a:r>
+              <a:rPr lang="en-US" dirty="0"/>
+              <a:t> which draw inspiration from </a:t>
+            </a:r>
+            <a:r>
+              <a:rPr lang="en-US" b="1" dirty="0"/>
+              <a:t>natural processes</a:t>
+            </a:r>
+            <a:r>
+              <a:rPr lang="en-US" dirty="0"/>
+              <a:t>. </a:t>
+            </a:r>
+          </a:p>
+          <a:p>
+            <a:r>
+              <a:rPr lang="en-US" dirty="0"/>
+              <a:t>The basic rationale of the field is to adapt the </a:t>
+            </a:r>
+            <a:r>
+              <a:rPr lang="en-US" b="1" dirty="0"/>
+              <a:t>mathematical models of biological Darwinian evolution </a:t>
+            </a:r>
+            <a:r>
+              <a:rPr lang="en-US" dirty="0"/>
+              <a:t>to optimization problems. </a:t>
+            </a:r>
+          </a:p>
+          <a:p>
+            <a:r>
+              <a:rPr lang="en-US" dirty="0"/>
+              <a:t>The usefulness of this can be illustrated by imagining that an </a:t>
+            </a:r>
+            <a:r>
+              <a:rPr lang="en-US" b="1" dirty="0"/>
+              <a:t>organism acts as an “input” to the “model” of it’s natural environment</a:t>
+            </a:r>
+            <a:r>
+              <a:rPr lang="en-US" dirty="0"/>
+              <a:t> and produces an “output” in the form of offspring. Through multiple iterations biological evolution culls the population of organisms, only keeping the fit </a:t>
             </a:r>
             <a:r>
               <a:rPr lang="en-US" dirty="0" smtClean="0"/>
@@ -6876,7 +7396,6 @@
               <a:rPr lang="en-US" dirty="0"/>
               <a:t>, to produce organisms which become continuously better adapted to their environments. </a:t>
             </a:r>
-            <a:endParaRPr lang="en-US" dirty="0"/>
           </a:p>
           <a:p>
             <a:endParaRPr lang="en-US" dirty="0"/>
@@ -7030,7 +7549,6 @@
               <a:rPr lang="en-US" dirty="0"/>
               <a:t>. </a:t>
             </a:r>
-            <a:endParaRPr lang="en-US" dirty="0"/>
           </a:p>
           <a:p>
             <a:r>
@@ -7081,7 +7599,6 @@
               <a:rPr lang="en-US" dirty="0"/>
               <a:t>which improves upon the aforementioned ones in some aspect </a:t>
             </a:r>
-            <a:endParaRPr lang="en-US" dirty="0"/>
           </a:p>
           <a:p>
             <a:endParaRPr lang="en-US" dirty="0"/>
@@ -7271,7 +7788,6 @@
               <a:rPr lang="en-US" b="1" dirty="0"/>
               <a:t>individuals </a:t>
             </a:r>
-            <a:endParaRPr lang="en-US" b="1" dirty="0"/>
           </a:p>
           <a:p>
             <a:r>
@@ -7290,7 +7806,6 @@
               <a:rPr lang="en-US" b="1" dirty="0"/>
               <a:t>parameters </a:t>
             </a:r>
-            <a:endParaRPr lang="en-US" b="1" dirty="0"/>
           </a:p>
         </p:txBody>
       </p:sp>
@@ -7405,7 +7920,7 @@
           <a:lstStyle/>
           <a:p>
             <a:r>
-              <a:rPr lang="en-US" dirty="0" smtClean="0"/>
+              <a:rPr lang="en-US" b="1" dirty="0" smtClean="0"/>
               <a:t>Representation</a:t>
             </a:r>
           </a:p>
@@ -7439,13 +7954,13 @@
           </a:p>
           <a:p>
             <a:r>
-              <a:rPr lang="en-US" dirty="0" smtClean="0"/>
+              <a:rPr lang="en-US" b="1" dirty="0" smtClean="0"/>
               <a:t>Evaluation function</a:t>
             </a:r>
           </a:p>
           <a:p>
             <a:r>
-              <a:rPr lang="en-US" dirty="0" smtClean="0"/>
+              <a:rPr lang="en-US" b="1" dirty="0" smtClean="0"/>
               <a:t>Population</a:t>
             </a:r>
           </a:p>
@@ -7465,7 +7980,7 @@
           </a:p>
           <a:p>
             <a:r>
-              <a:rPr lang="en-US" dirty="0" smtClean="0"/>
+              <a:rPr lang="en-US" b="1" dirty="0" smtClean="0"/>
               <a:t>Parent selection</a:t>
             </a:r>
           </a:p>
@@ -7574,7 +8089,7 @@
           <a:lstStyle/>
           <a:p>
             <a:r>
-              <a:rPr lang="en-US" dirty="0" smtClean="0"/>
+              <a:rPr lang="en-US" b="1" dirty="0" smtClean="0"/>
               <a:t>Variation</a:t>
             </a:r>
           </a:p>
@@ -7594,19 +8109,19 @@
           </a:p>
           <a:p>
             <a:r>
-              <a:rPr lang="en-US" dirty="0" smtClean="0"/>
+              <a:rPr lang="en-US" b="1" dirty="0" smtClean="0"/>
               <a:t>Survivor selection</a:t>
             </a:r>
           </a:p>
           <a:p>
             <a:r>
-              <a:rPr lang="en-US" dirty="0" smtClean="0"/>
+              <a:rPr lang="en-US" b="1" dirty="0" smtClean="0"/>
               <a:t>Initialization</a:t>
             </a:r>
           </a:p>
           <a:p>
             <a:r>
-              <a:rPr lang="en-US" dirty="0" smtClean="0"/>
+              <a:rPr lang="en-US" b="1" dirty="0" smtClean="0"/>
               <a:t>Termination condition</a:t>
             </a:r>
           </a:p>

--- a/Presentation/Status and Planning.pptx
+++ b/Presentation/Status and Planning.pptx
@@ -565,7 +565,7 @@
           <a:p>
             <a:fld id="{4BDF68E2-58F2-4D09-BE8B-E3BD06533059}" type="datetimeFigureOut">
               <a:rPr lang="en-US" smtClean="0"/>
-              <a:t>4/12/17</a:t>
+              <a:t>4/21/17</a:t>
             </a:fld>
             <a:endParaRPr lang="en-US" dirty="0"/>
           </a:p>
@@ -812,7 +812,7 @@
           <a:p>
             <a:fld id="{2E2D6473-DF6D-4702-B328-E0DD40540A4E}" type="datetimeFigureOut">
               <a:rPr lang="en-US" smtClean="0"/>
-              <a:t>4/12/17</a:t>
+              <a:t>4/21/17</a:t>
             </a:fld>
             <a:endParaRPr lang="en-US" dirty="0"/>
           </a:p>
@@ -1198,7 +1198,7 @@
           <a:p>
             <a:fld id="{E26F7E3A-B166-407D-9866-32884E7D5B37}" type="datetimeFigureOut">
               <a:rPr lang="en-US" smtClean="0"/>
-              <a:t>4/12/17</a:t>
+              <a:t>4/21/17</a:t>
             </a:fld>
             <a:endParaRPr lang="en-US" dirty="0"/>
           </a:p>
@@ -1424,7 +1424,7 @@
           <a:p>
             <a:fld id="{528FC5F6-F338-4AE4-BB23-26385BCFC423}" type="datetimeFigureOut">
               <a:rPr lang="en-US" smtClean="0"/>
-              <a:t>4/12/17</a:t>
+              <a:t>4/21/17</a:t>
             </a:fld>
             <a:endParaRPr lang="en-US" dirty="0"/>
           </a:p>
@@ -1903,7 +1903,7 @@
           <a:p>
             <a:fld id="{20EBB0C4-6273-4C6E-B9BD-2EDC30F1CD52}" type="datetimeFigureOut">
               <a:rPr lang="en-US" smtClean="0"/>
-              <a:t>4/12/17</a:t>
+              <a:t>4/21/17</a:t>
             </a:fld>
             <a:endParaRPr lang="en-US" dirty="0"/>
           </a:p>
@@ -2207,7 +2207,7 @@
           <a:p>
             <a:fld id="{19AB4D41-86C1-4908-B66A-0B50CEB3BF29}" type="datetimeFigureOut">
               <a:rPr lang="en-US" smtClean="0"/>
-              <a:t>4/12/17</a:t>
+              <a:t>4/21/17</a:t>
             </a:fld>
             <a:endParaRPr lang="en-US" dirty="0"/>
           </a:p>
@@ -2603,7 +2603,7 @@
           <a:p>
             <a:fld id="{E6426E2C-56C1-4E0D-A793-0088A7FDD37E}" type="datetimeFigureOut">
               <a:rPr lang="en-US" smtClean="0"/>
-              <a:t>4/12/17</a:t>
+              <a:t>4/21/17</a:t>
             </a:fld>
             <a:endParaRPr lang="en-US" dirty="0"/>
           </a:p>
@@ -2726,7 +2726,7 @@
           <a:p>
             <a:fld id="{C8C39B41-D8B5-4052-B551-9B5525EAA8B6}" type="datetimeFigureOut">
               <a:rPr lang="en-US" smtClean="0"/>
-              <a:t>4/12/17</a:t>
+              <a:t>4/21/17</a:t>
             </a:fld>
             <a:endParaRPr lang="en-US" dirty="0"/>
           </a:p>
@@ -2821,7 +2821,7 @@
           <a:p>
             <a:fld id="{4D94136C-8742-45B2-AF27-D93DF72833A9}" type="datetimeFigureOut">
               <a:rPr lang="en-US" smtClean="0"/>
-              <a:t>4/12/17</a:t>
+              <a:t>4/21/17</a:t>
             </a:fld>
             <a:endParaRPr lang="en-US" dirty="0"/>
           </a:p>
@@ -3127,7 +3127,7 @@
           <a:p>
             <a:fld id="{32ABBEA6-7C60-4B02-AE87-00D78D8422AF}" type="datetimeFigureOut">
               <a:rPr lang="en-US" smtClean="0"/>
-              <a:t>4/12/17</a:t>
+              <a:t>4/21/17</a:t>
             </a:fld>
             <a:endParaRPr lang="en-US" dirty="0"/>
           </a:p>
@@ -3398,7 +3398,7 @@
           <a:p>
             <a:fld id="{C9CAD897-D46E-4AD2-BD9B-49DD3E640873}" type="datetimeFigureOut">
               <a:rPr lang="en-US" smtClean="0"/>
-              <a:t>4/12/17</a:t>
+              <a:t>4/21/17</a:t>
             </a:fld>
             <a:endParaRPr lang="en-US" dirty="0"/>
           </a:p>
@@ -3810,7 +3810,7 @@
           <a:p>
             <a:fld id="{98624D31-43A5-475A-80CF-332C9F6DCF35}" type="datetimeFigureOut">
               <a:rPr lang="en-US" smtClean="0"/>
-              <a:t>4/12/17</a:t>
+              <a:t>4/21/17</a:t>
             </a:fld>
             <a:endParaRPr lang="en-US" dirty="0"/>
           </a:p>
